--- a/Output/Policy_Changes.pptx
+++ b/Output/Policy_Changes.pptx
@@ -12,12 +12,12 @@
     <p:sldId id="257" r:id="rId3"/>
     <p:sldId id="258" r:id="rId4"/>
     <p:sldId id="259" r:id="rId5"/>
-    <p:sldId id="260" r:id="rId6"/>
-    <p:sldId id="261" r:id="rId7"/>
+    <p:sldId id="261" r:id="rId6"/>
+    <p:sldId id="260" r:id="rId7"/>
     <p:sldId id="264" r:id="rId8"/>
-    <p:sldId id="263" r:id="rId9"/>
-    <p:sldId id="266" r:id="rId10"/>
-    <p:sldId id="265" r:id="rId11"/>
+    <p:sldId id="266" r:id="rId9"/>
+    <p:sldId id="265" r:id="rId10"/>
+    <p:sldId id="263" r:id="rId11"/>
     <p:sldId id="262" r:id="rId12"/>
   </p:sldIdLst>
   <p:sldSz cx="12192000" cy="6858000"/>
@@ -540,7 +540,7 @@
           <a:p>
             <a:fld id="{D92BE48F-ED33-F34E-B68D-0C16E5B92558}" type="slidenum">
               <a:rPr lang="en-US" smtClean="0"/>
-              <a:t>4</a:t>
+              <a:t>1</a:t>
             </a:fld>
             <a:endParaRPr lang="en-US"/>
           </a:p>
@@ -549,7 +549,7 @@
     </p:spTree>
     <p:extLst>
       <p:ext uri="{BB962C8B-B14F-4D97-AF65-F5344CB8AC3E}">
-        <p14:creationId xmlns:p14="http://schemas.microsoft.com/office/powerpoint/2010/main" val="2485498435"/>
+        <p14:creationId xmlns:p14="http://schemas.microsoft.com/office/powerpoint/2010/main" val="2017893839"/>
       </p:ext>
     </p:extLst>
   </p:cSld>
@@ -624,7 +624,91 @@
           <a:p>
             <a:fld id="{D92BE48F-ED33-F34E-B68D-0C16E5B92558}" type="slidenum">
               <a:rPr lang="en-US" smtClean="0"/>
-              <a:t>9</a:t>
+              <a:t>4</a:t>
+            </a:fld>
+            <a:endParaRPr lang="en-US"/>
+          </a:p>
+        </p:txBody>
+      </p:sp>
+    </p:spTree>
+    <p:extLst>
+      <p:ext uri="{BB962C8B-B14F-4D97-AF65-F5344CB8AC3E}">
+        <p14:creationId xmlns:p14="http://schemas.microsoft.com/office/powerpoint/2010/main" val="2485498435"/>
+      </p:ext>
+    </p:extLst>
+  </p:cSld>
+  <p:clrMapOvr>
+    <a:masterClrMapping/>
+  </p:clrMapOvr>
+</p:notes>
+</file>
+
+<file path=ppt/notesSlides/notesSlide3.xml><?xml version="1.0" encoding="utf-8"?>
+<p:notes xmlns:a="http://schemas.openxmlformats.org/drawingml/2006/main" xmlns:r="http://schemas.openxmlformats.org/officeDocument/2006/relationships" xmlns:p="http://schemas.openxmlformats.org/presentationml/2006/main">
+  <p:cSld>
+    <p:spTree>
+      <p:nvGrpSpPr>
+        <p:cNvPr id="1" name=""/>
+        <p:cNvGrpSpPr/>
+        <p:nvPr/>
+      </p:nvGrpSpPr>
+      <p:grpSpPr>
+        <a:xfrm>
+          <a:off x="0" y="0"/>
+          <a:ext cx="0" cy="0"/>
+          <a:chOff x="0" y="0"/>
+          <a:chExt cx="0" cy="0"/>
+        </a:xfrm>
+      </p:grpSpPr>
+      <p:sp>
+        <p:nvSpPr>
+          <p:cNvPr id="2" name="Slide Image Placeholder 1"/>
+          <p:cNvSpPr>
+            <a:spLocks noGrp="1" noRot="1" noChangeAspect="1"/>
+          </p:cNvSpPr>
+          <p:nvPr>
+            <p:ph type="sldImg"/>
+          </p:nvPr>
+        </p:nvSpPr>
+        <p:spPr/>
+      </p:sp>
+      <p:sp>
+        <p:nvSpPr>
+          <p:cNvPr id="3" name="Notes Placeholder 2"/>
+          <p:cNvSpPr>
+            <a:spLocks noGrp="1"/>
+          </p:cNvSpPr>
+          <p:nvPr>
+            <p:ph type="body" idx="1"/>
+          </p:nvPr>
+        </p:nvSpPr>
+        <p:spPr/>
+        <p:txBody>
+          <a:bodyPr/>
+          <a:lstStyle/>
+          <a:p>
+            <a:endParaRPr lang="en-US" dirty="0"/>
+          </a:p>
+        </p:txBody>
+      </p:sp>
+      <p:sp>
+        <p:nvSpPr>
+          <p:cNvPr id="4" name="Slide Number Placeholder 3"/>
+          <p:cNvSpPr>
+            <a:spLocks noGrp="1"/>
+          </p:cNvSpPr>
+          <p:nvPr>
+            <p:ph type="sldNum" sz="quarter" idx="5"/>
+          </p:nvPr>
+        </p:nvSpPr>
+        <p:spPr/>
+        <p:txBody>
+          <a:bodyPr/>
+          <a:lstStyle/>
+          <a:p>
+            <a:fld id="{D92BE48F-ED33-F34E-B68D-0C16E5B92558}" type="slidenum">
+              <a:rPr lang="en-US" smtClean="0"/>
+              <a:t>8</a:t>
             </a:fld>
             <a:endParaRPr lang="en-US"/>
           </a:p>
@@ -4114,6 +4198,1704 @@
 <file path=ppt/slides/slide10.xml><?xml version="1.0" encoding="utf-8"?>
 <p:sld xmlns:a="http://schemas.openxmlformats.org/drawingml/2006/main" xmlns:r="http://schemas.openxmlformats.org/officeDocument/2006/relationships" xmlns:p="http://schemas.openxmlformats.org/presentationml/2006/main">
   <p:cSld>
+    <p:spTree>
+      <p:nvGrpSpPr>
+        <p:cNvPr id="1" name=""/>
+        <p:cNvGrpSpPr/>
+        <p:nvPr/>
+      </p:nvGrpSpPr>
+      <p:grpSpPr>
+        <a:xfrm>
+          <a:off x="0" y="0"/>
+          <a:ext cx="0" cy="0"/>
+          <a:chOff x="0" y="0"/>
+          <a:chExt cx="0" cy="0"/>
+        </a:xfrm>
+      </p:grpSpPr>
+      <p:sp>
+        <p:nvSpPr>
+          <p:cNvPr id="2" name="Title 1">
+            <a:extLst>
+              <a:ext uri="{FF2B5EF4-FFF2-40B4-BE49-F238E27FC236}">
+                <a16:creationId xmlns:a16="http://schemas.microsoft.com/office/drawing/2014/main" id="{DEA0AC28-524F-8C43-A070-6B79D9B00BBD}"/>
+              </a:ext>
+            </a:extLst>
+          </p:cNvPr>
+          <p:cNvSpPr>
+            <a:spLocks noGrp="1"/>
+          </p:cNvSpPr>
+          <p:nvPr>
+            <p:ph type="title"/>
+          </p:nvPr>
+        </p:nvSpPr>
+        <p:spPr/>
+        <p:txBody>
+          <a:bodyPr/>
+          <a:lstStyle/>
+          <a:p>
+            <a:r>
+              <a:rPr lang="en-US" dirty="0"/>
+              <a:t>New cases vs income support</a:t>
+            </a:r>
+          </a:p>
+        </p:txBody>
+      </p:sp>
+      <p:sp>
+        <p:nvSpPr>
+          <p:cNvPr id="3" name="Content Placeholder 2">
+            <a:extLst>
+              <a:ext uri="{FF2B5EF4-FFF2-40B4-BE49-F238E27FC236}">
+                <a16:creationId xmlns:a16="http://schemas.microsoft.com/office/drawing/2014/main" id="{35809C6E-C63E-9F43-81F8-39A2D2B4A7DB}"/>
+              </a:ext>
+            </a:extLst>
+          </p:cNvPr>
+          <p:cNvSpPr>
+            <a:spLocks noGrp="1"/>
+          </p:cNvSpPr>
+          <p:nvPr>
+            <p:ph idx="1"/>
+          </p:nvPr>
+        </p:nvSpPr>
+        <p:spPr/>
+        <p:txBody>
+          <a:bodyPr/>
+          <a:lstStyle/>
+          <a:p>
+            <a:endParaRPr lang="en-US" dirty="0"/>
+          </a:p>
+        </p:txBody>
+      </p:sp>
+    </p:spTree>
+    <p:extLst>
+      <p:ext uri="{BB962C8B-B14F-4D97-AF65-F5344CB8AC3E}">
+        <p14:creationId xmlns:p14="http://schemas.microsoft.com/office/powerpoint/2010/main" val="967515756"/>
+      </p:ext>
+    </p:extLst>
+  </p:cSld>
+  <p:clrMapOvr>
+    <a:masterClrMapping/>
+  </p:clrMapOvr>
+</p:sld>
+</file>
+
+<file path=ppt/slides/slide11.xml><?xml version="1.0" encoding="utf-8"?>
+<p:sld xmlns:a="http://schemas.openxmlformats.org/drawingml/2006/main" xmlns:r="http://schemas.openxmlformats.org/officeDocument/2006/relationships" xmlns:p="http://schemas.openxmlformats.org/presentationml/2006/main">
+  <p:cSld>
+    <p:spTree>
+      <p:nvGrpSpPr>
+        <p:cNvPr id="1" name=""/>
+        <p:cNvGrpSpPr/>
+        <p:nvPr/>
+      </p:nvGrpSpPr>
+      <p:grpSpPr>
+        <a:xfrm>
+          <a:off x="0" y="0"/>
+          <a:ext cx="0" cy="0"/>
+          <a:chOff x="0" y="0"/>
+          <a:chExt cx="0" cy="0"/>
+        </a:xfrm>
+      </p:grpSpPr>
+      <p:sp>
+        <p:nvSpPr>
+          <p:cNvPr id="2" name="Title 1">
+            <a:extLst>
+              <a:ext uri="{FF2B5EF4-FFF2-40B4-BE49-F238E27FC236}">
+                <a16:creationId xmlns:a16="http://schemas.microsoft.com/office/drawing/2014/main" id="{892AC3F2-2C51-D145-9786-8A0D0438B81B}"/>
+              </a:ext>
+            </a:extLst>
+          </p:cNvPr>
+          <p:cNvSpPr>
+            <a:spLocks noGrp="1"/>
+          </p:cNvSpPr>
+          <p:nvPr>
+            <p:ph type="title"/>
+          </p:nvPr>
+        </p:nvSpPr>
+        <p:spPr/>
+        <p:txBody>
+          <a:bodyPr/>
+          <a:lstStyle/>
+          <a:p>
+            <a:r>
+              <a:rPr lang="en-US" dirty="0"/>
+              <a:t>Challenges, Discussions and Q&amp;A</a:t>
+            </a:r>
+          </a:p>
+        </p:txBody>
+      </p:sp>
+      <p:sp>
+        <p:nvSpPr>
+          <p:cNvPr id="3" name="Content Placeholder 2">
+            <a:extLst>
+              <a:ext uri="{FF2B5EF4-FFF2-40B4-BE49-F238E27FC236}">
+                <a16:creationId xmlns:a16="http://schemas.microsoft.com/office/drawing/2014/main" id="{9CA51B48-B967-B645-88B0-189B09DE1F1F}"/>
+              </a:ext>
+            </a:extLst>
+          </p:cNvPr>
+          <p:cNvSpPr>
+            <a:spLocks noGrp="1"/>
+          </p:cNvSpPr>
+          <p:nvPr>
+            <p:ph idx="1"/>
+          </p:nvPr>
+        </p:nvSpPr>
+        <p:spPr/>
+        <p:txBody>
+          <a:bodyPr/>
+          <a:lstStyle/>
+          <a:p>
+            <a:endParaRPr lang="en-US" dirty="0"/>
+          </a:p>
+        </p:txBody>
+      </p:sp>
+    </p:spTree>
+    <p:extLst>
+      <p:ext uri="{BB962C8B-B14F-4D97-AF65-F5344CB8AC3E}">
+        <p14:creationId xmlns:p14="http://schemas.microsoft.com/office/powerpoint/2010/main" val="3331909630"/>
+      </p:ext>
+    </p:extLst>
+  </p:cSld>
+  <p:clrMapOvr>
+    <a:masterClrMapping/>
+  </p:clrMapOvr>
+</p:sld>
+</file>
+
+<file path=ppt/slides/slide2.xml><?xml version="1.0" encoding="utf-8"?>
+<p:sld xmlns:a="http://schemas.openxmlformats.org/drawingml/2006/main" xmlns:r="http://schemas.openxmlformats.org/officeDocument/2006/relationships" xmlns:p="http://schemas.openxmlformats.org/presentationml/2006/main">
+  <p:cSld>
+    <p:spTree>
+      <p:nvGrpSpPr>
+        <p:cNvPr id="1" name=""/>
+        <p:cNvGrpSpPr/>
+        <p:nvPr/>
+      </p:nvGrpSpPr>
+      <p:grpSpPr>
+        <a:xfrm>
+          <a:off x="0" y="0"/>
+          <a:ext cx="0" cy="0"/>
+          <a:chOff x="0" y="0"/>
+          <a:chExt cx="0" cy="0"/>
+        </a:xfrm>
+      </p:grpSpPr>
+      <p:sp>
+        <p:nvSpPr>
+          <p:cNvPr id="2" name="Title 1">
+            <a:extLst>
+              <a:ext uri="{FF2B5EF4-FFF2-40B4-BE49-F238E27FC236}">
+                <a16:creationId xmlns:a16="http://schemas.microsoft.com/office/drawing/2014/main" id="{0594EB28-DE00-4144-A775-1CF1B5B618F3}"/>
+              </a:ext>
+            </a:extLst>
+          </p:cNvPr>
+          <p:cNvSpPr>
+            <a:spLocks noGrp="1"/>
+          </p:cNvSpPr>
+          <p:nvPr>
+            <p:ph type="title"/>
+          </p:nvPr>
+        </p:nvSpPr>
+        <p:spPr>
+          <a:xfrm>
+            <a:off x="245076" y="322691"/>
+            <a:ext cx="10515600" cy="1325563"/>
+          </a:xfrm>
+        </p:spPr>
+        <p:txBody>
+          <a:bodyPr/>
+          <a:lstStyle/>
+          <a:p>
+            <a:r>
+              <a:rPr lang="en-US" dirty="0"/>
+              <a:t>Topics covered</a:t>
+            </a:r>
+          </a:p>
+        </p:txBody>
+      </p:sp>
+      <p:sp>
+        <p:nvSpPr>
+          <p:cNvPr id="3" name="Content Placeholder 2">
+            <a:extLst>
+              <a:ext uri="{FF2B5EF4-FFF2-40B4-BE49-F238E27FC236}">
+                <a16:creationId xmlns:a16="http://schemas.microsoft.com/office/drawing/2014/main" id="{8BD3A94F-C7C4-CE4F-A13E-9F4A6BCCF218}"/>
+              </a:ext>
+            </a:extLst>
+          </p:cNvPr>
+          <p:cNvSpPr>
+            <a:spLocks noGrp="1"/>
+          </p:cNvSpPr>
+          <p:nvPr>
+            <p:ph idx="1"/>
+          </p:nvPr>
+        </p:nvSpPr>
+        <p:spPr>
+          <a:xfrm>
+            <a:off x="838200" y="1124465"/>
+            <a:ext cx="10515600" cy="5052498"/>
+          </a:xfrm>
+        </p:spPr>
+        <p:txBody>
+          <a:bodyPr>
+            <a:normAutofit/>
+          </a:bodyPr>
+          <a:lstStyle/>
+          <a:p>
+            <a:endParaRPr lang="en-US" dirty="0"/>
+          </a:p>
+          <a:p>
+            <a:r>
+              <a:rPr lang="en-US" dirty="0"/>
+              <a:t>For our project we decided to work on the current “hot” topic in the world - COVID -19.</a:t>
+            </a:r>
+          </a:p>
+          <a:p>
+            <a:r>
+              <a:rPr lang="en-US" dirty="0"/>
+              <a:t>As much as covid is the hot topic, we didn’t want to give the standard graphs of the infected cases, death rates etc. Instead, we explored other areas related to Covid and how it has impacted our day to day lives.</a:t>
+            </a:r>
+          </a:p>
+          <a:p>
+            <a:r>
+              <a:rPr lang="en-US" dirty="0"/>
+              <a:t>Hence, we concluded that we would do the analysis on the new policy changes introduced in the countries because of Covid and how the new policy changes has made any impact on total and new covid cases.</a:t>
+            </a:r>
+          </a:p>
+        </p:txBody>
+      </p:sp>
+    </p:spTree>
+    <p:extLst>
+      <p:ext uri="{BB962C8B-B14F-4D97-AF65-F5344CB8AC3E}">
+        <p14:creationId xmlns:p14="http://schemas.microsoft.com/office/powerpoint/2010/main" val="3086511434"/>
+      </p:ext>
+    </p:extLst>
+  </p:cSld>
+  <p:clrMapOvr>
+    <a:masterClrMapping/>
+  </p:clrMapOvr>
+</p:sld>
+</file>
+
+<file path=ppt/slides/slide3.xml><?xml version="1.0" encoding="utf-8"?>
+<p:sld xmlns:a="http://schemas.openxmlformats.org/drawingml/2006/main" xmlns:r="http://schemas.openxmlformats.org/officeDocument/2006/relationships" xmlns:p="http://schemas.openxmlformats.org/presentationml/2006/main">
+  <p:cSld>
+    <p:spTree>
+      <p:nvGrpSpPr>
+        <p:cNvPr id="1" name=""/>
+        <p:cNvGrpSpPr/>
+        <p:nvPr/>
+      </p:nvGrpSpPr>
+      <p:grpSpPr>
+        <a:xfrm>
+          <a:off x="0" y="0"/>
+          <a:ext cx="0" cy="0"/>
+          <a:chOff x="0" y="0"/>
+          <a:chExt cx="0" cy="0"/>
+        </a:xfrm>
+      </p:grpSpPr>
+      <p:sp>
+        <p:nvSpPr>
+          <p:cNvPr id="2" name="Title 1">
+            <a:extLst>
+              <a:ext uri="{FF2B5EF4-FFF2-40B4-BE49-F238E27FC236}">
+                <a16:creationId xmlns:a16="http://schemas.microsoft.com/office/drawing/2014/main" id="{8847B0FA-39F8-0948-93AB-629D3CA6CA41}"/>
+              </a:ext>
+            </a:extLst>
+          </p:cNvPr>
+          <p:cNvSpPr>
+            <a:spLocks noGrp="1"/>
+          </p:cNvSpPr>
+          <p:nvPr>
+            <p:ph type="title"/>
+          </p:nvPr>
+        </p:nvSpPr>
+        <p:spPr/>
+        <p:txBody>
+          <a:bodyPr/>
+          <a:lstStyle/>
+          <a:p>
+            <a:r>
+              <a:rPr lang="en-US" dirty="0"/>
+              <a:t>Policy changes for analysis</a:t>
+            </a:r>
+          </a:p>
+        </p:txBody>
+      </p:sp>
+      <p:sp>
+        <p:nvSpPr>
+          <p:cNvPr id="3" name="Content Placeholder 2">
+            <a:extLst>
+              <a:ext uri="{FF2B5EF4-FFF2-40B4-BE49-F238E27FC236}">
+                <a16:creationId xmlns:a16="http://schemas.microsoft.com/office/drawing/2014/main" id="{B54C30EE-CEDD-BB40-B4C0-C78002986151}"/>
+              </a:ext>
+            </a:extLst>
+          </p:cNvPr>
+          <p:cNvSpPr>
+            <a:spLocks noGrp="1"/>
+          </p:cNvSpPr>
+          <p:nvPr>
+            <p:ph idx="1"/>
+          </p:nvPr>
+        </p:nvSpPr>
+        <p:spPr>
+          <a:xfrm>
+            <a:off x="838200" y="1594022"/>
+            <a:ext cx="10515600" cy="4582941"/>
+          </a:xfrm>
+        </p:spPr>
+        <p:txBody>
+          <a:bodyPr/>
+          <a:lstStyle/>
+          <a:p>
+            <a:r>
+              <a:rPr lang="en-US" dirty="0"/>
+              <a:t>For our project, we have selected 7 countries:</a:t>
+            </a:r>
+          </a:p>
+          <a:p>
+            <a:pPr lvl="1"/>
+            <a:r>
+              <a:rPr lang="en-US" dirty="0"/>
+              <a:t>Australia, US, UK, India, China, South Korea and Brazil.</a:t>
+            </a:r>
+          </a:p>
+          <a:p>
+            <a:endParaRPr lang="en-US" dirty="0"/>
+          </a:p>
+          <a:p>
+            <a:r>
+              <a:rPr lang="en-US" dirty="0"/>
+              <a:t>We selected following policies to see their effect on Covid-19.</a:t>
+            </a:r>
+          </a:p>
+          <a:p>
+            <a:endParaRPr lang="en-US" dirty="0"/>
+          </a:p>
+          <a:p>
+            <a:pPr lvl="1"/>
+            <a:r>
+              <a:rPr lang="en-US" dirty="0"/>
+              <a:t>International Travel Restrictions.</a:t>
+            </a:r>
+          </a:p>
+          <a:p>
+            <a:pPr lvl="1"/>
+            <a:r>
+              <a:rPr lang="en-US" dirty="0"/>
+              <a:t>Income Support.</a:t>
+            </a:r>
+          </a:p>
+          <a:p>
+            <a:pPr lvl="1"/>
+            <a:r>
+              <a:rPr lang="en-US" dirty="0"/>
+              <a:t>Face Covering</a:t>
+            </a:r>
+          </a:p>
+        </p:txBody>
+      </p:sp>
+    </p:spTree>
+    <p:extLst>
+      <p:ext uri="{BB962C8B-B14F-4D97-AF65-F5344CB8AC3E}">
+        <p14:creationId xmlns:p14="http://schemas.microsoft.com/office/powerpoint/2010/main" val="1790883855"/>
+      </p:ext>
+    </p:extLst>
+  </p:cSld>
+  <p:clrMapOvr>
+    <a:masterClrMapping/>
+  </p:clrMapOvr>
+</p:sld>
+</file>
+
+<file path=ppt/slides/slide4.xml><?xml version="1.0" encoding="utf-8"?>
+<p:sld xmlns:a="http://schemas.openxmlformats.org/drawingml/2006/main" xmlns:r="http://schemas.openxmlformats.org/officeDocument/2006/relationships" xmlns:p="http://schemas.openxmlformats.org/presentationml/2006/main">
+  <p:cSld>
+    <p:spTree>
+      <p:nvGrpSpPr>
+        <p:cNvPr id="1" name=""/>
+        <p:cNvGrpSpPr/>
+        <p:nvPr/>
+      </p:nvGrpSpPr>
+      <p:grpSpPr>
+        <a:xfrm>
+          <a:off x="0" y="0"/>
+          <a:ext cx="0" cy="0"/>
+          <a:chOff x="0" y="0"/>
+          <a:chExt cx="0" cy="0"/>
+        </a:xfrm>
+      </p:grpSpPr>
+      <p:sp>
+        <p:nvSpPr>
+          <p:cNvPr id="2" name="Title 1">
+            <a:extLst>
+              <a:ext uri="{FF2B5EF4-FFF2-40B4-BE49-F238E27FC236}">
+                <a16:creationId xmlns:a16="http://schemas.microsoft.com/office/drawing/2014/main" id="{DC918CBD-697A-9F4A-A69A-1A2B459F2C7D}"/>
+              </a:ext>
+            </a:extLst>
+          </p:cNvPr>
+          <p:cNvSpPr>
+            <a:spLocks noGrp="1"/>
+          </p:cNvSpPr>
+          <p:nvPr>
+            <p:ph type="title"/>
+          </p:nvPr>
+        </p:nvSpPr>
+        <p:spPr/>
+        <p:txBody>
+          <a:bodyPr/>
+          <a:lstStyle/>
+          <a:p>
+            <a:r>
+              <a:rPr lang="en-US" dirty="0"/>
+              <a:t>Questions and data</a:t>
+            </a:r>
+          </a:p>
+        </p:txBody>
+      </p:sp>
+      <p:sp>
+        <p:nvSpPr>
+          <p:cNvPr id="3" name="Content Placeholder 2">
+            <a:extLst>
+              <a:ext uri="{FF2B5EF4-FFF2-40B4-BE49-F238E27FC236}">
+                <a16:creationId xmlns:a16="http://schemas.microsoft.com/office/drawing/2014/main" id="{CDC29305-852D-464B-9E5E-CE3712E12935}"/>
+              </a:ext>
+            </a:extLst>
+          </p:cNvPr>
+          <p:cNvSpPr>
+            <a:spLocks noGrp="1"/>
+          </p:cNvSpPr>
+          <p:nvPr>
+            <p:ph idx="1"/>
+          </p:nvPr>
+        </p:nvSpPr>
+        <p:spPr>
+          <a:xfrm>
+            <a:off x="838200" y="2343806"/>
+            <a:ext cx="10515600" cy="2554015"/>
+          </a:xfrm>
+        </p:spPr>
+        <p:txBody>
+          <a:bodyPr/>
+          <a:lstStyle/>
+          <a:p>
+            <a:r>
+              <a:rPr lang="en-US" dirty="0"/>
+              <a:t>How, introducing international travel restrictions, facial coverings and income support has impacted each country’s the Covid spreading.</a:t>
+            </a:r>
+          </a:p>
+          <a:p>
+            <a:pPr marL="0" indent="0">
+              <a:buNone/>
+            </a:pPr>
+            <a:endParaRPr lang="en-US" dirty="0"/>
+          </a:p>
+          <a:p>
+            <a:r>
+              <a:rPr lang="en-US" dirty="0"/>
+              <a:t>We gathered data from </a:t>
+            </a:r>
+            <a:r>
+              <a:rPr lang="en-AU" u="sng" dirty="0">
+                <a:hlinkClick r:id="rId3"/>
+              </a:rPr>
+              <a:t>https://ourworldindata.org/covid-cases</a:t>
+            </a:r>
+            <a:endParaRPr lang="en-AU" u="sng" dirty="0"/>
+          </a:p>
+          <a:p>
+            <a:pPr marL="0" indent="0">
+              <a:buNone/>
+            </a:pPr>
+            <a:endParaRPr lang="en-AU" u="sng" dirty="0"/>
+          </a:p>
+          <a:p>
+            <a:pPr marL="457200" lvl="1" indent="0">
+              <a:buNone/>
+            </a:pPr>
+            <a:endParaRPr lang="en-AU" u="sng" dirty="0"/>
+          </a:p>
+          <a:p>
+            <a:pPr marL="457200" lvl="1" indent="0">
+              <a:buNone/>
+            </a:pPr>
+            <a:endParaRPr lang="en-US" dirty="0"/>
+          </a:p>
+          <a:p>
+            <a:endParaRPr lang="en-US" dirty="0"/>
+          </a:p>
+        </p:txBody>
+      </p:sp>
+    </p:spTree>
+    <p:extLst>
+      <p:ext uri="{BB962C8B-B14F-4D97-AF65-F5344CB8AC3E}">
+        <p14:creationId xmlns:p14="http://schemas.microsoft.com/office/powerpoint/2010/main" val="3526440830"/>
+      </p:ext>
+    </p:extLst>
+  </p:cSld>
+  <p:clrMapOvr>
+    <a:masterClrMapping/>
+  </p:clrMapOvr>
+</p:sld>
+</file>
+
+<file path=ppt/slides/slide5.xml><?xml version="1.0" encoding="utf-8"?>
+<p:sld xmlns:a="http://schemas.openxmlformats.org/drawingml/2006/main" xmlns:r="http://schemas.openxmlformats.org/officeDocument/2006/relationships" xmlns:p="http://schemas.openxmlformats.org/presentationml/2006/main">
+  <p:cSld>
+    <p:spTree>
+      <p:nvGrpSpPr>
+        <p:cNvPr id="1" name=""/>
+        <p:cNvGrpSpPr/>
+        <p:nvPr/>
+      </p:nvGrpSpPr>
+      <p:grpSpPr>
+        <a:xfrm>
+          <a:off x="0" y="0"/>
+          <a:ext cx="0" cy="0"/>
+          <a:chOff x="0" y="0"/>
+          <a:chExt cx="0" cy="0"/>
+        </a:xfrm>
+      </p:grpSpPr>
+      <p:sp>
+        <p:nvSpPr>
+          <p:cNvPr id="2" name="Title 1">
+            <a:extLst>
+              <a:ext uri="{FF2B5EF4-FFF2-40B4-BE49-F238E27FC236}">
+                <a16:creationId xmlns:a16="http://schemas.microsoft.com/office/drawing/2014/main" id="{7217F89E-9FC0-0E4E-B1E5-A1DC8007426E}"/>
+              </a:ext>
+            </a:extLst>
+          </p:cNvPr>
+          <p:cNvSpPr>
+            <a:spLocks noGrp="1"/>
+          </p:cNvSpPr>
+          <p:nvPr>
+            <p:ph type="title"/>
+          </p:nvPr>
+        </p:nvSpPr>
+        <p:spPr/>
+        <p:txBody>
+          <a:bodyPr/>
+          <a:lstStyle/>
+          <a:p>
+            <a:r>
+              <a:rPr lang="en-US" dirty="0"/>
+              <a:t>Sample data</a:t>
+            </a:r>
+          </a:p>
+        </p:txBody>
+      </p:sp>
+      <p:pic>
+        <p:nvPicPr>
+          <p:cNvPr id="5" name="Content Placeholder 4" descr="Table, calendar&#10;&#10;Description automatically generated">
+            <a:extLst>
+              <a:ext uri="{FF2B5EF4-FFF2-40B4-BE49-F238E27FC236}">
+                <a16:creationId xmlns:a16="http://schemas.microsoft.com/office/drawing/2014/main" id="{A02D7007-ECB7-5446-BFDA-788FDC153FAA}"/>
+              </a:ext>
+            </a:extLst>
+          </p:cNvPr>
+          <p:cNvPicPr>
+            <a:picLocks noGrp="1" noChangeAspect="1"/>
+          </p:cNvPicPr>
+          <p:nvPr>
+            <p:ph idx="1"/>
+          </p:nvPr>
+        </p:nvPicPr>
+        <p:blipFill>
+          <a:blip r:embed="rId2"/>
+          <a:stretch>
+            <a:fillRect/>
+          </a:stretch>
+        </p:blipFill>
+        <p:spPr>
+          <a:xfrm>
+            <a:off x="400010" y="2179281"/>
+            <a:ext cx="7229475" cy="2499437"/>
+          </a:xfrm>
+        </p:spPr>
+      </p:pic>
+      <p:pic>
+        <p:nvPicPr>
+          <p:cNvPr id="7" name="Picture 6" descr="Table&#10;&#10;Description automatically generated">
+            <a:extLst>
+              <a:ext uri="{FF2B5EF4-FFF2-40B4-BE49-F238E27FC236}">
+                <a16:creationId xmlns:a16="http://schemas.microsoft.com/office/drawing/2014/main" id="{28D8A727-49DD-CA41-9926-581D74527288}"/>
+              </a:ext>
+            </a:extLst>
+          </p:cNvPr>
+          <p:cNvPicPr>
+            <a:picLocks noChangeAspect="1"/>
+          </p:cNvPicPr>
+          <p:nvPr/>
+        </p:nvPicPr>
+        <p:blipFill>
+          <a:blip r:embed="rId3"/>
+          <a:stretch>
+            <a:fillRect/>
+          </a:stretch>
+        </p:blipFill>
+        <p:spPr>
+          <a:xfrm>
+            <a:off x="8324873" y="1690688"/>
+            <a:ext cx="3193771" cy="3223913"/>
+          </a:xfrm>
+          <a:prstGeom prst="rect">
+            <a:avLst/>
+          </a:prstGeom>
+        </p:spPr>
+      </p:pic>
+    </p:spTree>
+    <p:extLst>
+      <p:ext uri="{BB962C8B-B14F-4D97-AF65-F5344CB8AC3E}">
+        <p14:creationId xmlns:p14="http://schemas.microsoft.com/office/powerpoint/2010/main" val="52244890"/>
+      </p:ext>
+    </p:extLst>
+  </p:cSld>
+  <p:clrMapOvr>
+    <a:masterClrMapping/>
+  </p:clrMapOvr>
+</p:sld>
+</file>
+
+<file path=ppt/slides/slide6.xml><?xml version="1.0" encoding="utf-8"?>
+<p:sld xmlns:a="http://schemas.openxmlformats.org/drawingml/2006/main" xmlns:r="http://schemas.openxmlformats.org/officeDocument/2006/relationships" xmlns:p="http://schemas.openxmlformats.org/presentationml/2006/main">
+  <p:cSld>
+    <p:spTree>
+      <p:nvGrpSpPr>
+        <p:cNvPr id="1" name=""/>
+        <p:cNvGrpSpPr/>
+        <p:nvPr/>
+      </p:nvGrpSpPr>
+      <p:grpSpPr>
+        <a:xfrm>
+          <a:off x="0" y="0"/>
+          <a:ext cx="0" cy="0"/>
+          <a:chOff x="0" y="0"/>
+          <a:chExt cx="0" cy="0"/>
+        </a:xfrm>
+      </p:grpSpPr>
+      <p:sp>
+        <p:nvSpPr>
+          <p:cNvPr id="2" name="Title 1">
+            <a:extLst>
+              <a:ext uri="{FF2B5EF4-FFF2-40B4-BE49-F238E27FC236}">
+                <a16:creationId xmlns:a16="http://schemas.microsoft.com/office/drawing/2014/main" id="{9F8C102D-1821-6843-A3A0-79807DAB99B7}"/>
+              </a:ext>
+            </a:extLst>
+          </p:cNvPr>
+          <p:cNvSpPr>
+            <a:spLocks noGrp="1"/>
+          </p:cNvSpPr>
+          <p:nvPr>
+            <p:ph type="title"/>
+          </p:nvPr>
+        </p:nvSpPr>
+        <p:spPr/>
+        <p:txBody>
+          <a:bodyPr/>
+          <a:lstStyle/>
+          <a:p>
+            <a:r>
+              <a:rPr lang="en-AU" dirty="0"/>
+              <a:t>Data Clean-up &amp; Exploration</a:t>
+            </a:r>
+            <a:endParaRPr lang="en-US" dirty="0"/>
+          </a:p>
+        </p:txBody>
+      </p:sp>
+      <p:sp>
+        <p:nvSpPr>
+          <p:cNvPr id="3" name="Content Placeholder 2">
+            <a:extLst>
+              <a:ext uri="{FF2B5EF4-FFF2-40B4-BE49-F238E27FC236}">
+                <a16:creationId xmlns:a16="http://schemas.microsoft.com/office/drawing/2014/main" id="{BB53B9C0-6995-6849-8B9C-FD97E873C9CA}"/>
+              </a:ext>
+            </a:extLst>
+          </p:cNvPr>
+          <p:cNvSpPr>
+            <a:spLocks noGrp="1"/>
+          </p:cNvSpPr>
+          <p:nvPr>
+            <p:ph idx="1"/>
+          </p:nvPr>
+        </p:nvSpPr>
+        <p:spPr>
+          <a:xfrm>
+            <a:off x="838200" y="1556951"/>
+            <a:ext cx="10515600" cy="4620012"/>
+          </a:xfrm>
+        </p:spPr>
+        <p:txBody>
+          <a:bodyPr/>
+          <a:lstStyle/>
+          <a:p>
+            <a:r>
+              <a:rPr lang="en-US" dirty="0"/>
+              <a:t>Gathered raw covid data and policy data for all the countries.</a:t>
+            </a:r>
+          </a:p>
+          <a:p>
+            <a:r>
+              <a:rPr lang="en-US" dirty="0"/>
+              <a:t>Data range - Jan 2020 and June 2021.</a:t>
+            </a:r>
+          </a:p>
+          <a:p>
+            <a:r>
+              <a:rPr lang="en-US" dirty="0"/>
+              <a:t>Loaded data into jupyter notebook.</a:t>
+            </a:r>
+          </a:p>
+          <a:p>
+            <a:r>
+              <a:rPr lang="en-US" dirty="0"/>
+              <a:t>Removed the unnecessary rows which causes duplication.</a:t>
+            </a:r>
+          </a:p>
+          <a:p>
+            <a:r>
+              <a:rPr lang="en-US" dirty="0"/>
+              <a:t>Reduced the data to only the countries we are doing the analysis on.</a:t>
+            </a:r>
+          </a:p>
+          <a:p>
+            <a:r>
+              <a:rPr lang="en-US" dirty="0"/>
+              <a:t>Merged the covid data and the data each of us working on.</a:t>
+            </a:r>
+          </a:p>
+          <a:p>
+            <a:r>
+              <a:rPr lang="en-US" dirty="0"/>
+              <a:t>Finally plotted the graph based on the merged data.</a:t>
+            </a:r>
+          </a:p>
+        </p:txBody>
+      </p:sp>
+    </p:spTree>
+    <p:extLst>
+      <p:ext uri="{BB962C8B-B14F-4D97-AF65-F5344CB8AC3E}">
+        <p14:creationId xmlns:p14="http://schemas.microsoft.com/office/powerpoint/2010/main" val="3573882748"/>
+      </p:ext>
+    </p:extLst>
+  </p:cSld>
+  <p:clrMapOvr>
+    <a:masterClrMapping/>
+  </p:clrMapOvr>
+</p:sld>
+</file>
+
+<file path=ppt/slides/slide7.xml><?xml version="1.0" encoding="utf-8"?>
+<p:sld xmlns:a="http://schemas.openxmlformats.org/drawingml/2006/main" xmlns:r="http://schemas.openxmlformats.org/officeDocument/2006/relationships" xmlns:p="http://schemas.openxmlformats.org/presentationml/2006/main">
+  <p:cSld>
+    <p:bg>
+      <p:bgPr>
+        <a:solidFill>
+          <a:schemeClr val="bg1"/>
+        </a:solidFill>
+        <a:effectLst/>
+      </p:bgPr>
+    </p:bg>
+    <p:spTree>
+      <p:nvGrpSpPr>
+        <p:cNvPr id="1" name=""/>
+        <p:cNvGrpSpPr/>
+        <p:nvPr/>
+      </p:nvGrpSpPr>
+      <p:grpSpPr>
+        <a:xfrm>
+          <a:off x="0" y="0"/>
+          <a:ext cx="0" cy="0"/>
+          <a:chOff x="0" y="0"/>
+          <a:chExt cx="0" cy="0"/>
+        </a:xfrm>
+      </p:grpSpPr>
+      <p:sp>
+        <p:nvSpPr>
+          <p:cNvPr id="16" name="Rectangle 15">
+            <a:extLst>
+              <a:ext uri="{FF2B5EF4-FFF2-40B4-BE49-F238E27FC236}">
+                <a16:creationId xmlns:a16="http://schemas.microsoft.com/office/drawing/2014/main" id="{2B566528-1B12-4246-9431-5C2D7D081168}"/>
+              </a:ext>
+              <a:ext uri="{C183D7F6-B498-43B3-948B-1728B52AA6E4}">
+                <adec:decorative xmlns:adec="http://schemas.microsoft.com/office/drawing/2017/decorative" val="1"/>
+              </a:ext>
+            </a:extLst>
+          </p:cNvPr>
+          <p:cNvSpPr>
+            <a:spLocks noGrp="1" noRot="1" noChangeAspect="1" noMove="1" noResize="1" noEditPoints="1" noAdjustHandles="1" noChangeArrowheads="1" noChangeShapeType="1" noTextEdit="1"/>
+          </p:cNvSpPr>
+          <p:nvPr>
+            <p:extLst>
+              <p:ext uri="{386F3935-93C4-4BCD-93E2-E3B085C9AB24}">
+                <p16:designElem xmlns:p16="http://schemas.microsoft.com/office/powerpoint/2015/main" val="1"/>
+              </p:ext>
+            </p:extLst>
+          </p:nvPr>
+        </p:nvSpPr>
+        <p:spPr>
+          <a:xfrm>
+            <a:off x="0" y="0"/>
+            <a:ext cx="12192000" cy="6858000"/>
+          </a:xfrm>
+          <a:prstGeom prst="rect">
+            <a:avLst/>
+          </a:prstGeom>
+          <a:solidFill>
+            <a:schemeClr val="bg1"/>
+          </a:solidFill>
+          <a:ln>
+            <a:noFill/>
+          </a:ln>
+        </p:spPr>
+        <p:style>
+          <a:lnRef idx="2">
+            <a:schemeClr val="accent1">
+              <a:shade val="50000"/>
+            </a:schemeClr>
+          </a:lnRef>
+          <a:fillRef idx="1">
+            <a:schemeClr val="accent1"/>
+          </a:fillRef>
+          <a:effectRef idx="0">
+            <a:schemeClr val="accent1"/>
+          </a:effectRef>
+          <a:fontRef idx="minor">
+            <a:schemeClr val="lt1"/>
+          </a:fontRef>
+        </p:style>
+        <p:txBody>
+          <a:bodyPr rtlCol="0" anchor="ctr"/>
+          <a:lstStyle/>
+          <a:p>
+            <a:pPr algn="ctr"/>
+            <a:endParaRPr lang="en-US" dirty="0"/>
+          </a:p>
+        </p:txBody>
+      </p:sp>
+      <p:sp>
+        <p:nvSpPr>
+          <p:cNvPr id="2" name="Title 1">
+            <a:extLst>
+              <a:ext uri="{FF2B5EF4-FFF2-40B4-BE49-F238E27FC236}">
+                <a16:creationId xmlns:a16="http://schemas.microsoft.com/office/drawing/2014/main" id="{4B769D06-6A53-CC4E-9BB4-0B108A3E7B6A}"/>
+              </a:ext>
+            </a:extLst>
+          </p:cNvPr>
+          <p:cNvSpPr>
+            <a:spLocks noGrp="1"/>
+          </p:cNvSpPr>
+          <p:nvPr>
+            <p:ph type="title"/>
+          </p:nvPr>
+        </p:nvSpPr>
+        <p:spPr>
+          <a:xfrm>
+            <a:off x="643467" y="321734"/>
+            <a:ext cx="10905066" cy="1135737"/>
+          </a:xfrm>
+        </p:spPr>
+        <p:txBody>
+          <a:bodyPr>
+            <a:normAutofit/>
+          </a:bodyPr>
+          <a:lstStyle/>
+          <a:p>
+            <a:r>
+              <a:rPr lang="en-US" sz="3600" dirty="0"/>
+              <a:t>Monthly New cases In The Countries</a:t>
+            </a:r>
+          </a:p>
+        </p:txBody>
+      </p:sp>
+      <p:grpSp>
+        <p:nvGrpSpPr>
+          <p:cNvPr id="18" name="Group 17">
+            <a:extLst>
+              <a:ext uri="{FF2B5EF4-FFF2-40B4-BE49-F238E27FC236}">
+                <a16:creationId xmlns:a16="http://schemas.microsoft.com/office/drawing/2014/main" id="{828A5161-06F1-46CF-8AD7-844680A59E13}"/>
+              </a:ext>
+              <a:ext uri="{C183D7F6-B498-43B3-948B-1728B52AA6E4}">
+                <adec:decorative xmlns:adec="http://schemas.microsoft.com/office/drawing/2017/decorative" val="1"/>
+              </a:ext>
+            </a:extLst>
+          </p:cNvPr>
+          <p:cNvGrpSpPr>
+            <a:grpSpLocks noGrp="1" noUngrp="1" noRot="1" noChangeAspect="1" noMove="1" noResize="1"/>
+          </p:cNvGrpSpPr>
+          <p:nvPr>
+            <p:extLst>
+              <p:ext uri="{386F3935-93C4-4BCD-93E2-E3B085C9AB24}">
+                <p16:designElem xmlns:p16="http://schemas.microsoft.com/office/powerpoint/2015/main" val="1"/>
+              </p:ext>
+            </p:extLst>
+          </p:nvPr>
+        </p:nvGrpSpPr>
+        <p:grpSpPr>
+          <a:xfrm>
+            <a:off x="0" y="4601497"/>
+            <a:ext cx="1014060" cy="2017580"/>
+            <a:chOff x="0" y="4601497"/>
+            <a:chExt cx="1014060" cy="2017580"/>
+          </a:xfrm>
+        </p:grpSpPr>
+        <p:sp>
+          <p:nvSpPr>
+            <p:cNvPr id="19" name="Isosceles Triangle 18">
+              <a:extLst>
+                <a:ext uri="{FF2B5EF4-FFF2-40B4-BE49-F238E27FC236}">
+                  <a16:creationId xmlns:a16="http://schemas.microsoft.com/office/drawing/2014/main" id="{D3F51FEB-38FB-4F6C-9F7B-2F2AFAB65463}"/>
+                </a:ext>
+                <a:ext uri="{C183D7F6-B498-43B3-948B-1728B52AA6E4}">
+                  <adec:decorative xmlns:adec="http://schemas.microsoft.com/office/drawing/2017/decorative" val="1"/>
+                </a:ext>
+              </a:extLst>
+            </p:cNvPr>
+            <p:cNvSpPr/>
+            <p:nvPr>
+              <p:extLst>
+                <p:ext uri="{386F3935-93C4-4BCD-93E2-E3B085C9AB24}">
+                  <p16:designElem xmlns:p16="http://schemas.microsoft.com/office/powerpoint/2015/main" val="1"/>
+                </p:ext>
+              </p:extLst>
+            </p:nvPr>
+          </p:nvSpPr>
+          <p:spPr>
+            <a:xfrm rot="5400000">
+              <a:off x="-501760" y="5103257"/>
+              <a:ext cx="2017580" cy="1014060"/>
+            </a:xfrm>
+            <a:prstGeom prst="triangle">
+              <a:avLst>
+                <a:gd name="adj" fmla="val 50000"/>
+              </a:avLst>
+            </a:prstGeom>
+            <a:solidFill>
+              <a:schemeClr val="accent1">
+                <a:alpha val="30000"/>
+              </a:schemeClr>
+            </a:solidFill>
+            <a:ln>
+              <a:noFill/>
+            </a:ln>
+          </p:spPr>
+          <p:style>
+            <a:lnRef idx="2">
+              <a:schemeClr val="accent1">
+                <a:shade val="50000"/>
+              </a:schemeClr>
+            </a:lnRef>
+            <a:fillRef idx="1">
+              <a:schemeClr val="accent1"/>
+            </a:fillRef>
+            <a:effectRef idx="0">
+              <a:schemeClr val="accent1"/>
+            </a:effectRef>
+            <a:fontRef idx="minor">
+              <a:schemeClr val="lt1"/>
+            </a:fontRef>
+          </p:style>
+          <p:txBody>
+            <a:bodyPr rtlCol="0" anchor="ctr"/>
+            <a:lstStyle/>
+            <a:p>
+              <a:pPr algn="ctr"/>
+              <a:endParaRPr lang="en-US"/>
+            </a:p>
+          </p:txBody>
+        </p:sp>
+        <p:sp>
+          <p:nvSpPr>
+            <p:cNvPr id="20" name="Rectangle 19">
+              <a:extLst>
+                <a:ext uri="{FF2B5EF4-FFF2-40B4-BE49-F238E27FC236}">
+                  <a16:creationId xmlns:a16="http://schemas.microsoft.com/office/drawing/2014/main" id="{1E547BA6-BAE0-43BB-A7CA-60F69CE252F0}"/>
+                </a:ext>
+                <a:ext uri="{C183D7F6-B498-43B3-948B-1728B52AA6E4}">
+                  <adec:decorative xmlns:adec="http://schemas.microsoft.com/office/drawing/2017/decorative" val="1"/>
+                </a:ext>
+              </a:extLst>
+            </p:cNvPr>
+            <p:cNvSpPr/>
+            <p:nvPr>
+              <p:extLst>
+                <p:ext uri="{386F3935-93C4-4BCD-93E2-E3B085C9AB24}">
+                  <p16:designElem xmlns:p16="http://schemas.microsoft.com/office/powerpoint/2015/main" val="1"/>
+                </p:ext>
+              </p:extLst>
+            </p:nvPr>
+          </p:nvSpPr>
+          <p:spPr>
+            <a:xfrm rot="2700000">
+              <a:off x="427916" y="5728708"/>
+              <a:ext cx="485578" cy="485578"/>
+            </a:xfrm>
+            <a:prstGeom prst="rect">
+              <a:avLst/>
+            </a:prstGeom>
+            <a:solidFill>
+              <a:schemeClr val="accent1">
+                <a:alpha val="30000"/>
+              </a:schemeClr>
+            </a:solidFill>
+            <a:ln>
+              <a:noFill/>
+            </a:ln>
+          </p:spPr>
+          <p:style>
+            <a:lnRef idx="2">
+              <a:schemeClr val="accent1">
+                <a:shade val="50000"/>
+              </a:schemeClr>
+            </a:lnRef>
+            <a:fillRef idx="1">
+              <a:schemeClr val="accent1"/>
+            </a:fillRef>
+            <a:effectRef idx="0">
+              <a:schemeClr val="accent1"/>
+            </a:effectRef>
+            <a:fontRef idx="minor">
+              <a:schemeClr val="lt1"/>
+            </a:fontRef>
+          </p:style>
+          <p:txBody>
+            <a:bodyPr rtlCol="0" anchor="ctr"/>
+            <a:lstStyle/>
+            <a:p>
+              <a:pPr algn="ctr"/>
+              <a:endParaRPr lang="en-US"/>
+            </a:p>
+          </p:txBody>
+        </p:sp>
+      </p:grpSp>
+      <p:pic>
+        <p:nvPicPr>
+          <p:cNvPr id="11" name="Picture 10" descr="Chart, line chart&#10;&#10;Description automatically generated">
+            <a:extLst>
+              <a:ext uri="{FF2B5EF4-FFF2-40B4-BE49-F238E27FC236}">
+                <a16:creationId xmlns:a16="http://schemas.microsoft.com/office/drawing/2014/main" id="{A0A754E6-9EB8-2347-A2F1-6D3C5015617F}"/>
+              </a:ext>
+            </a:extLst>
+          </p:cNvPr>
+          <p:cNvPicPr>
+            <a:picLocks noChangeAspect="1"/>
+          </p:cNvPicPr>
+          <p:nvPr/>
+        </p:nvPicPr>
+        <p:blipFill>
+          <a:blip r:embed="rId2"/>
+          <a:stretch>
+            <a:fillRect/>
+          </a:stretch>
+        </p:blipFill>
+        <p:spPr>
+          <a:xfrm>
+            <a:off x="-1" y="1088947"/>
+            <a:ext cx="12192000" cy="5646212"/>
+          </a:xfrm>
+          <a:prstGeom prst="rect">
+            <a:avLst/>
+          </a:prstGeom>
+        </p:spPr>
+      </p:pic>
+      <p:grpSp>
+        <p:nvGrpSpPr>
+          <p:cNvPr id="22" name="Group 21">
+            <a:extLst>
+              <a:ext uri="{FF2B5EF4-FFF2-40B4-BE49-F238E27FC236}">
+                <a16:creationId xmlns:a16="http://schemas.microsoft.com/office/drawing/2014/main" id="{5995D10D-E9C9-47DB-AE7E-801FEF38F5C9}"/>
+              </a:ext>
+              <a:ext uri="{C183D7F6-B498-43B3-948B-1728B52AA6E4}">
+                <adec:decorative xmlns:adec="http://schemas.microsoft.com/office/drawing/2017/decorative" val="1"/>
+              </a:ext>
+            </a:extLst>
+          </p:cNvPr>
+          <p:cNvGrpSpPr>
+            <a:grpSpLocks noGrp="1" noUngrp="1" noRot="1" noChangeAspect="1" noMove="1" noResize="1"/>
+          </p:cNvGrpSpPr>
+          <p:nvPr>
+            <p:extLst>
+              <p:ext uri="{386F3935-93C4-4BCD-93E2-E3B085C9AB24}">
+                <p16:designElem xmlns:p16="http://schemas.microsoft.com/office/powerpoint/2015/main" val="1"/>
+              </p:ext>
+            </p:extLst>
+          </p:nvPr>
+        </p:nvGrpSpPr>
+        <p:grpSpPr>
+          <a:xfrm>
+            <a:off x="11219290" y="1"/>
+            <a:ext cx="972709" cy="1935307"/>
+            <a:chOff x="10918968" y="713127"/>
+            <a:chExt cx="1273032" cy="2532832"/>
+          </a:xfrm>
+        </p:grpSpPr>
+        <p:sp>
+          <p:nvSpPr>
+            <p:cNvPr id="23" name="Rectangle 22">
+              <a:extLst>
+                <a:ext uri="{FF2B5EF4-FFF2-40B4-BE49-F238E27FC236}">
+                  <a16:creationId xmlns:a16="http://schemas.microsoft.com/office/drawing/2014/main" id="{CC1A72C6-3DE4-4EC3-9AD5-9E0D40D8CE8A}"/>
+                </a:ext>
+                <a:ext uri="{C183D7F6-B498-43B3-948B-1728B52AA6E4}">
+                  <adec:decorative xmlns:adec="http://schemas.microsoft.com/office/drawing/2017/decorative" val="1"/>
+                </a:ext>
+              </a:extLst>
+            </p:cNvPr>
+            <p:cNvSpPr/>
+            <p:nvPr>
+              <p:extLst>
+                <p:ext uri="{386F3935-93C4-4BCD-93E2-E3B085C9AB24}">
+                  <p16:designElem xmlns:p16="http://schemas.microsoft.com/office/powerpoint/2015/main" val="1"/>
+                </p:ext>
+              </p:extLst>
+            </p:nvPr>
+          </p:nvSpPr>
+          <p:spPr>
+            <a:xfrm rot="2700000">
+              <a:off x="11052629" y="2120024"/>
+              <a:ext cx="645368" cy="645368"/>
+            </a:xfrm>
+            <a:prstGeom prst="rect">
+              <a:avLst/>
+            </a:prstGeom>
+            <a:solidFill>
+              <a:schemeClr val="accent4">
+                <a:alpha val="30000"/>
+              </a:schemeClr>
+            </a:solidFill>
+            <a:ln>
+              <a:noFill/>
+            </a:ln>
+          </p:spPr>
+          <p:style>
+            <a:lnRef idx="2">
+              <a:schemeClr val="accent1">
+                <a:shade val="50000"/>
+              </a:schemeClr>
+            </a:lnRef>
+            <a:fillRef idx="1">
+              <a:schemeClr val="accent1"/>
+            </a:fillRef>
+            <a:effectRef idx="0">
+              <a:schemeClr val="accent1"/>
+            </a:effectRef>
+            <a:fontRef idx="minor">
+              <a:schemeClr val="lt1"/>
+            </a:fontRef>
+          </p:style>
+          <p:txBody>
+            <a:bodyPr rtlCol="0" anchor="ctr"/>
+            <a:lstStyle/>
+            <a:p>
+              <a:pPr algn="ctr"/>
+              <a:endParaRPr lang="en-US"/>
+            </a:p>
+          </p:txBody>
+        </p:sp>
+        <p:sp>
+          <p:nvSpPr>
+            <p:cNvPr id="24" name="Isosceles Triangle 23">
+              <a:extLst>
+                <a:ext uri="{FF2B5EF4-FFF2-40B4-BE49-F238E27FC236}">
+                  <a16:creationId xmlns:a16="http://schemas.microsoft.com/office/drawing/2014/main" id="{0B0DA1F1-C391-4EDF-9FE0-23E86E137765}"/>
+                </a:ext>
+                <a:ext uri="{C183D7F6-B498-43B3-948B-1728B52AA6E4}">
+                  <adec:decorative xmlns:adec="http://schemas.microsoft.com/office/drawing/2017/decorative" val="1"/>
+                </a:ext>
+              </a:extLst>
+            </p:cNvPr>
+            <p:cNvSpPr/>
+            <p:nvPr>
+              <p:extLst>
+                <p:ext uri="{386F3935-93C4-4BCD-93E2-E3B085C9AB24}">
+                  <p16:designElem xmlns:p16="http://schemas.microsoft.com/office/powerpoint/2015/main" val="1"/>
+                </p:ext>
+              </p:extLst>
+            </p:nvPr>
+          </p:nvSpPr>
+          <p:spPr>
+            <a:xfrm rot="16200000">
+              <a:off x="10289068" y="1343027"/>
+              <a:ext cx="2532832" cy="1273032"/>
+            </a:xfrm>
+            <a:prstGeom prst="triangle">
+              <a:avLst>
+                <a:gd name="adj" fmla="val 50000"/>
+              </a:avLst>
+            </a:prstGeom>
+            <a:solidFill>
+              <a:schemeClr val="accent4">
+                <a:alpha val="30000"/>
+              </a:schemeClr>
+            </a:solidFill>
+            <a:ln>
+              <a:noFill/>
+            </a:ln>
+          </p:spPr>
+          <p:style>
+            <a:lnRef idx="2">
+              <a:schemeClr val="accent1">
+                <a:shade val="50000"/>
+              </a:schemeClr>
+            </a:lnRef>
+            <a:fillRef idx="1">
+              <a:schemeClr val="accent1"/>
+            </a:fillRef>
+            <a:effectRef idx="0">
+              <a:schemeClr val="accent1"/>
+            </a:effectRef>
+            <a:fontRef idx="minor">
+              <a:schemeClr val="lt1"/>
+            </a:fontRef>
+          </p:style>
+          <p:txBody>
+            <a:bodyPr rtlCol="0" anchor="ctr"/>
+            <a:lstStyle/>
+            <a:p>
+              <a:pPr algn="ctr"/>
+              <a:endParaRPr lang="en-US" dirty="0"/>
+            </a:p>
+          </p:txBody>
+        </p:sp>
+      </p:grpSp>
+    </p:spTree>
+    <p:extLst>
+      <p:ext uri="{BB962C8B-B14F-4D97-AF65-F5344CB8AC3E}">
+        <p14:creationId xmlns:p14="http://schemas.microsoft.com/office/powerpoint/2010/main" val="971295142"/>
+      </p:ext>
+    </p:extLst>
+  </p:cSld>
+  <p:clrMapOvr>
+    <a:masterClrMapping/>
+  </p:clrMapOvr>
+</p:sld>
+</file>
+
+<file path=ppt/slides/slide8.xml><?xml version="1.0" encoding="utf-8"?>
+<p:sld xmlns:a="http://schemas.openxmlformats.org/drawingml/2006/main" xmlns:r="http://schemas.openxmlformats.org/officeDocument/2006/relationships" xmlns:p="http://schemas.openxmlformats.org/presentationml/2006/main">
+  <p:cSld>
+    <p:bg>
+      <p:bgPr>
+        <a:solidFill>
+          <a:schemeClr val="bg1"/>
+        </a:solidFill>
+        <a:effectLst/>
+      </p:bgPr>
+    </p:bg>
+    <p:spTree>
+      <p:nvGrpSpPr>
+        <p:cNvPr id="1" name=""/>
+        <p:cNvGrpSpPr/>
+        <p:nvPr/>
+      </p:nvGrpSpPr>
+      <p:grpSpPr>
+        <a:xfrm>
+          <a:off x="0" y="0"/>
+          <a:ext cx="0" cy="0"/>
+          <a:chOff x="0" y="0"/>
+          <a:chExt cx="0" cy="0"/>
+        </a:xfrm>
+      </p:grpSpPr>
+      <p:sp>
+        <p:nvSpPr>
+          <p:cNvPr id="2" name="Title 1">
+            <a:extLst>
+              <a:ext uri="{FF2B5EF4-FFF2-40B4-BE49-F238E27FC236}">
+                <a16:creationId xmlns:a16="http://schemas.microsoft.com/office/drawing/2014/main" id="{7DBF66F0-7821-F540-887A-CE2E0DB7083F}"/>
+              </a:ext>
+            </a:extLst>
+          </p:cNvPr>
+          <p:cNvSpPr>
+            <a:spLocks noGrp="1"/>
+          </p:cNvSpPr>
+          <p:nvPr>
+            <p:ph type="title"/>
+          </p:nvPr>
+        </p:nvSpPr>
+        <p:spPr>
+          <a:xfrm>
+            <a:off x="321565" y="338328"/>
+            <a:ext cx="5613566" cy="1608328"/>
+          </a:xfrm>
+        </p:spPr>
+        <p:txBody>
+          <a:bodyPr>
+            <a:normAutofit/>
+          </a:bodyPr>
+          <a:lstStyle/>
+          <a:p>
+            <a:pPr algn="ctr"/>
+            <a:r>
+              <a:rPr lang="en-US" sz="2800" dirty="0"/>
+              <a:t>Monthly New Cases Per Country In Each Month</a:t>
+            </a:r>
+          </a:p>
+        </p:txBody>
+      </p:sp>
+      <p:sp>
+        <p:nvSpPr>
+          <p:cNvPr id="30" name="Rectangle 19">
+            <a:extLst>
+              <a:ext uri="{FF2B5EF4-FFF2-40B4-BE49-F238E27FC236}">
+                <a16:creationId xmlns:a16="http://schemas.microsoft.com/office/drawing/2014/main" id="{5AAE9118-0436-4488-AC4A-C14DF6A7B6B1}"/>
+              </a:ext>
+              <a:ext uri="{C183D7F6-B498-43B3-948B-1728B52AA6E4}">
+                <adec:decorative xmlns:adec="http://schemas.microsoft.com/office/drawing/2017/decorative" val="1"/>
+              </a:ext>
+            </a:extLst>
+          </p:cNvPr>
+          <p:cNvSpPr>
+            <a:spLocks noGrp="1" noRot="1" noChangeAspect="1" noMove="1" noResize="1" noEditPoints="1" noAdjustHandles="1" noChangeArrowheads="1" noChangeShapeType="1" noTextEdit="1"/>
+          </p:cNvSpPr>
+          <p:nvPr>
+            <p:extLst>
+              <p:ext uri="{386F3935-93C4-4BCD-93E2-E3B085C9AB24}">
+                <p16:designElem xmlns:p16="http://schemas.microsoft.com/office/powerpoint/2015/main" val="1"/>
+              </p:ext>
+            </p:extLst>
+          </p:nvPr>
+        </p:nvSpPr>
+        <p:spPr>
+          <a:xfrm>
+            <a:off x="-2" y="2211010"/>
+            <a:ext cx="12192002" cy="4646990"/>
+          </a:xfrm>
+          <a:prstGeom prst="rect">
+            <a:avLst/>
+          </a:prstGeom>
+          <a:solidFill>
+            <a:srgbClr val="C8CACA"/>
+          </a:solidFill>
+          <a:ln>
+            <a:noFill/>
+          </a:ln>
+        </p:spPr>
+        <p:style>
+          <a:lnRef idx="2">
+            <a:schemeClr val="accent1">
+              <a:shade val="50000"/>
+            </a:schemeClr>
+          </a:lnRef>
+          <a:fillRef idx="1">
+            <a:schemeClr val="accent1"/>
+          </a:fillRef>
+          <a:effectRef idx="0">
+            <a:schemeClr val="accent1"/>
+          </a:effectRef>
+          <a:fontRef idx="minor">
+            <a:schemeClr val="lt1"/>
+          </a:fontRef>
+        </p:style>
+        <p:txBody>
+          <a:bodyPr rtlCol="0" anchor="ctr"/>
+          <a:lstStyle/>
+          <a:p>
+            <a:pPr marL="0" marR="0" lvl="0" indent="0" algn="ctr" defTabSz="914400" rtl="0" eaLnBrk="1" fontAlgn="auto" latinLnBrk="0" hangingPunct="1">
+              <a:lnSpc>
+                <a:spcPct val="100000"/>
+              </a:lnSpc>
+              <a:spcBef>
+                <a:spcPts val="0"/>
+              </a:spcBef>
+              <a:spcAft>
+                <a:spcPts val="0"/>
+              </a:spcAft>
+              <a:buClrTx/>
+              <a:buSzTx/>
+              <a:buFontTx/>
+              <a:buNone/>
+              <a:tabLst/>
+              <a:defRPr/>
+            </a:pPr>
+            <a:endParaRPr kumimoji="0" lang="en-US" sz="1800" b="0" i="0" u="none" strike="noStrike" kern="1200" cap="none" spc="0" normalizeH="0" baseline="0" noProof="0">
+              <a:ln>
+                <a:noFill/>
+              </a:ln>
+              <a:solidFill>
+                <a:prstClr val="white"/>
+              </a:solidFill>
+              <a:effectLst/>
+              <a:uLnTx/>
+              <a:uFillTx/>
+              <a:latin typeface="Calibri" panose="020F0502020204030204"/>
+              <a:ea typeface="+mn-ea"/>
+              <a:cs typeface="+mn-cs"/>
+            </a:endParaRPr>
+          </a:p>
+        </p:txBody>
+      </p:sp>
+      <p:sp>
+        <p:nvSpPr>
+          <p:cNvPr id="31" name="Rounded Rectangle 26">
+            <a:extLst>
+              <a:ext uri="{FF2B5EF4-FFF2-40B4-BE49-F238E27FC236}">
+                <a16:creationId xmlns:a16="http://schemas.microsoft.com/office/drawing/2014/main" id="{1B10F861-B8F1-49C7-BD58-EAB20CEE7F93}"/>
+              </a:ext>
+              <a:ext uri="{C183D7F6-B498-43B3-948B-1728B52AA6E4}">
+                <adec:decorative xmlns:adec="http://schemas.microsoft.com/office/drawing/2017/decorative" val="1"/>
+              </a:ext>
+            </a:extLst>
+          </p:cNvPr>
+          <p:cNvSpPr>
+            <a:spLocks noGrp="1" noRot="1" noChangeAspect="1" noMove="1" noResize="1" noEditPoints="1" noAdjustHandles="1" noChangeArrowheads="1" noChangeShapeType="1" noTextEdit="1"/>
+          </p:cNvSpPr>
+          <p:nvPr>
+            <p:extLst>
+              <p:ext uri="{386F3935-93C4-4BCD-93E2-E3B085C9AB24}">
+                <p16:designElem xmlns:p16="http://schemas.microsoft.com/office/powerpoint/2015/main" val="1"/>
+              </p:ext>
+            </p:extLst>
+          </p:nvPr>
+        </p:nvSpPr>
+        <p:spPr>
+          <a:xfrm>
+            <a:off x="321564" y="2423160"/>
+            <a:ext cx="5613569" cy="3930315"/>
+          </a:xfrm>
+          <a:prstGeom prst="roundRect">
+            <a:avLst>
+              <a:gd name="adj" fmla="val 0"/>
+            </a:avLst>
+          </a:prstGeom>
+          <a:solidFill>
+            <a:srgbClr val="FFFFFF"/>
+          </a:solidFill>
+          <a:ln w="9525">
+            <a:solidFill>
+              <a:srgbClr val="C8CACA"/>
+            </a:solidFill>
+          </a:ln>
+          <a:effectLst>
+            <a:outerShdw blurRad="57150" dist="19050" dir="5400000" algn="t" rotWithShape="0">
+              <a:prstClr val="black">
+                <a:alpha val="63000"/>
+              </a:prstClr>
+            </a:outerShdw>
+          </a:effectLst>
+        </p:spPr>
+        <p:style>
+          <a:lnRef idx="2">
+            <a:schemeClr val="accent1">
+              <a:shade val="50000"/>
+            </a:schemeClr>
+          </a:lnRef>
+          <a:fillRef idx="1">
+            <a:schemeClr val="accent1"/>
+          </a:fillRef>
+          <a:effectRef idx="0">
+            <a:schemeClr val="accent1"/>
+          </a:effectRef>
+          <a:fontRef idx="minor">
+            <a:schemeClr val="lt1"/>
+          </a:fontRef>
+        </p:style>
+        <p:txBody>
+          <a:bodyPr rtlCol="0" anchor="ctr"/>
+          <a:lstStyle/>
+          <a:p>
+            <a:pPr algn="ctr"/>
+            <a:endParaRPr lang="en-US"/>
+          </a:p>
+        </p:txBody>
+      </p:sp>
+      <p:pic>
+        <p:nvPicPr>
+          <p:cNvPr id="10" name="Picture 9" descr="Chart, bar chart&#10;&#10;Description automatically generated">
+            <a:extLst>
+              <a:ext uri="{FF2B5EF4-FFF2-40B4-BE49-F238E27FC236}">
+                <a16:creationId xmlns:a16="http://schemas.microsoft.com/office/drawing/2014/main" id="{AEE9E550-E928-754D-8CB3-EFD05D7934D4}"/>
+              </a:ext>
+            </a:extLst>
+          </p:cNvPr>
+          <p:cNvPicPr>
+            <a:picLocks noChangeAspect="1"/>
+          </p:cNvPicPr>
+          <p:nvPr/>
+        </p:nvPicPr>
+        <p:blipFill>
+          <a:blip r:embed="rId3"/>
+          <a:stretch>
+            <a:fillRect/>
+          </a:stretch>
+        </p:blipFill>
+        <p:spPr>
+          <a:xfrm>
+            <a:off x="31550" y="2473069"/>
+            <a:ext cx="6078193" cy="3830495"/>
+          </a:xfrm>
+          <a:prstGeom prst="rect">
+            <a:avLst/>
+          </a:prstGeom>
+        </p:spPr>
+      </p:pic>
+      <p:sp>
+        <p:nvSpPr>
+          <p:cNvPr id="32" name="Rounded Rectangle 16">
+            <a:extLst>
+              <a:ext uri="{FF2B5EF4-FFF2-40B4-BE49-F238E27FC236}">
+                <a16:creationId xmlns:a16="http://schemas.microsoft.com/office/drawing/2014/main" id="{61F6E425-22AB-4DA2-8FAC-58ADB58EF6C3}"/>
+              </a:ext>
+              <a:ext uri="{C183D7F6-B498-43B3-948B-1728B52AA6E4}">
+                <adec:decorative xmlns:adec="http://schemas.microsoft.com/office/drawing/2017/decorative" val="1"/>
+              </a:ext>
+            </a:extLst>
+          </p:cNvPr>
+          <p:cNvSpPr>
+            <a:spLocks noGrp="1" noRot="1" noChangeAspect="1" noMove="1" noResize="1" noEditPoints="1" noAdjustHandles="1" noChangeArrowheads="1" noChangeShapeType="1" noTextEdit="1"/>
+          </p:cNvSpPr>
+          <p:nvPr>
+            <p:extLst>
+              <p:ext uri="{386F3935-93C4-4BCD-93E2-E3B085C9AB24}">
+                <p16:designElem xmlns:p16="http://schemas.microsoft.com/office/powerpoint/2015/main" val="1"/>
+              </p:ext>
+            </p:extLst>
+          </p:nvPr>
+        </p:nvSpPr>
+        <p:spPr>
+          <a:xfrm>
+            <a:off x="6254749" y="2423160"/>
+            <a:ext cx="5613569" cy="3930315"/>
+          </a:xfrm>
+          <a:prstGeom prst="roundRect">
+            <a:avLst>
+              <a:gd name="adj" fmla="val 0"/>
+            </a:avLst>
+          </a:prstGeom>
+          <a:solidFill>
+            <a:srgbClr val="FFFFFF"/>
+          </a:solidFill>
+          <a:ln w="9525">
+            <a:solidFill>
+              <a:srgbClr val="C8CACA"/>
+            </a:solidFill>
+          </a:ln>
+          <a:effectLst>
+            <a:outerShdw blurRad="57150" dist="19050" dir="5400000" algn="t" rotWithShape="0">
+              <a:prstClr val="black">
+                <a:alpha val="63000"/>
+              </a:prstClr>
+            </a:outerShdw>
+          </a:effectLst>
+        </p:spPr>
+        <p:style>
+          <a:lnRef idx="2">
+            <a:schemeClr val="accent1">
+              <a:shade val="50000"/>
+            </a:schemeClr>
+          </a:lnRef>
+          <a:fillRef idx="1">
+            <a:schemeClr val="accent1"/>
+          </a:fillRef>
+          <a:effectRef idx="0">
+            <a:schemeClr val="accent1"/>
+          </a:effectRef>
+          <a:fontRef idx="minor">
+            <a:schemeClr val="lt1"/>
+          </a:fontRef>
+        </p:style>
+        <p:txBody>
+          <a:bodyPr rtlCol="0" anchor="ctr"/>
+          <a:lstStyle/>
+          <a:p>
+            <a:pPr algn="ctr"/>
+            <a:endParaRPr lang="en-US"/>
+          </a:p>
+        </p:txBody>
+      </p:sp>
+      <p:pic>
+        <p:nvPicPr>
+          <p:cNvPr id="8" name="Picture 7" descr="Chart, histogram&#10;&#10;Description automatically generated">
+            <a:extLst>
+              <a:ext uri="{FF2B5EF4-FFF2-40B4-BE49-F238E27FC236}">
+                <a16:creationId xmlns:a16="http://schemas.microsoft.com/office/drawing/2014/main" id="{A4B64819-F240-8943-B99F-85F3DD2FC1F3}"/>
+              </a:ext>
+            </a:extLst>
+          </p:cNvPr>
+          <p:cNvPicPr>
+            <a:picLocks noChangeAspect="1"/>
+          </p:cNvPicPr>
+          <p:nvPr/>
+        </p:nvPicPr>
+        <p:blipFill>
+          <a:blip r:embed="rId4"/>
+          <a:stretch>
+            <a:fillRect/>
+          </a:stretch>
+        </p:blipFill>
+        <p:spPr>
+          <a:xfrm>
+            <a:off x="5935131" y="2423160"/>
+            <a:ext cx="6078193" cy="3725391"/>
+          </a:xfrm>
+          <a:prstGeom prst="rect">
+            <a:avLst/>
+          </a:prstGeom>
+        </p:spPr>
+      </p:pic>
+      <p:sp>
+        <p:nvSpPr>
+          <p:cNvPr id="3" name="TextBox 2">
+            <a:extLst>
+              <a:ext uri="{FF2B5EF4-FFF2-40B4-BE49-F238E27FC236}">
+                <a16:creationId xmlns:a16="http://schemas.microsoft.com/office/drawing/2014/main" id="{7E37A67D-0E8D-6245-8696-727C890CF4C9}"/>
+              </a:ext>
+            </a:extLst>
+          </p:cNvPr>
+          <p:cNvSpPr txBox="1"/>
+          <p:nvPr/>
+        </p:nvSpPr>
+        <p:spPr>
+          <a:xfrm>
+            <a:off x="7026636" y="880882"/>
+            <a:ext cx="3895181" cy="523220"/>
+          </a:xfrm>
+          <a:prstGeom prst="rect">
+            <a:avLst/>
+          </a:prstGeom>
+          <a:noFill/>
+        </p:spPr>
+        <p:txBody>
+          <a:bodyPr wrap="square" rtlCol="0">
+            <a:spAutoFit/>
+          </a:bodyPr>
+          <a:lstStyle/>
+          <a:p>
+            <a:pPr algn="ctr"/>
+            <a:r>
+              <a:rPr lang="en-US" sz="2800" dirty="0">
+                <a:latin typeface="+mj-lt"/>
+              </a:rPr>
+              <a:t>Monthly</a:t>
+            </a:r>
+            <a:r>
+              <a:rPr lang="en-US" sz="2800" dirty="0"/>
+              <a:t> </a:t>
+            </a:r>
+            <a:r>
+              <a:rPr lang="en-US" sz="2800" dirty="0">
+                <a:latin typeface="+mj-lt"/>
+              </a:rPr>
+              <a:t>New Total cases</a:t>
+            </a:r>
+            <a:r>
+              <a:rPr lang="en-US" sz="2800" dirty="0"/>
+              <a:t> </a:t>
+            </a:r>
+          </a:p>
+        </p:txBody>
+      </p:sp>
+    </p:spTree>
+    <p:extLst>
+      <p:ext uri="{BB962C8B-B14F-4D97-AF65-F5344CB8AC3E}">
+        <p14:creationId xmlns:p14="http://schemas.microsoft.com/office/powerpoint/2010/main" val="1199179604"/>
+      </p:ext>
+    </p:extLst>
+  </p:cSld>
+  <p:clrMapOvr>
+    <a:masterClrMapping/>
+  </p:clrMapOvr>
+</p:sld>
+</file>
+
+<file path=ppt/slides/slide9.xml><?xml version="1.0" encoding="utf-8"?>
+<p:sld xmlns:a="http://schemas.openxmlformats.org/drawingml/2006/main" xmlns:r="http://schemas.openxmlformats.org/officeDocument/2006/relationships" xmlns:p="http://schemas.openxmlformats.org/presentationml/2006/main">
+  <p:cSld>
     <p:bg>
       <p:bgPr>
         <a:solidFill>
@@ -4193,41 +5975,6 @@
           <a:p>
             <a:pPr algn="ctr"/>
             <a:endParaRPr lang="en-US"/>
-          </a:p>
-        </p:txBody>
-      </p:sp>
-      <p:sp>
-        <p:nvSpPr>
-          <p:cNvPr id="2" name="Title 1">
-            <a:extLst>
-              <a:ext uri="{FF2B5EF4-FFF2-40B4-BE49-F238E27FC236}">
-                <a16:creationId xmlns:a16="http://schemas.microsoft.com/office/drawing/2014/main" id="{3323720A-5EDA-1444-B769-80199DFD3FA0}"/>
-              </a:ext>
-            </a:extLst>
-          </p:cNvPr>
-          <p:cNvSpPr>
-            <a:spLocks noGrp="1"/>
-          </p:cNvSpPr>
-          <p:nvPr>
-            <p:ph type="title"/>
-          </p:nvPr>
-        </p:nvSpPr>
-        <p:spPr>
-          <a:xfrm>
-            <a:off x="274117" y="919434"/>
-            <a:ext cx="3327824" cy="1544422"/>
-          </a:xfrm>
-        </p:spPr>
-        <p:txBody>
-          <a:bodyPr anchor="b">
-            <a:normAutofit/>
-          </a:bodyPr>
-          <a:lstStyle/>
-          <a:p>
-            <a:r>
-              <a:rPr lang="en-US" sz="4000" dirty="0"/>
-              <a:t>New cases vs face mask</a:t>
-            </a:r>
           </a:p>
         </p:txBody>
       </p:sp>
@@ -4655,8 +6402,8 @@
         </p:nvSpPr>
         <p:spPr>
           <a:xfrm>
-            <a:off x="401542" y="3067026"/>
-            <a:ext cx="2798858" cy="3272324"/>
+            <a:off x="401542" y="1774430"/>
+            <a:ext cx="2798858" cy="4564920"/>
           </a:xfrm>
         </p:spPr>
         <p:txBody>
@@ -4665,10 +6412,13 @@
           </a:bodyPr>
           <a:lstStyle/>
           <a:p>
-            <a:pPr marL="0" indent="0">
+            <a:pPr marL="0" indent="0" algn="ctr">
               <a:buNone/>
             </a:pPr>
-            <a:endParaRPr lang="en-US" sz="2000" dirty="0"/>
+            <a:r>
+              <a:rPr lang="en-US" dirty="0"/>
+              <a:t>New Cases and International Travel Restrictions</a:t>
+            </a:r>
           </a:p>
         </p:txBody>
       </p:sp>
@@ -4824,1680 +6574,6 @@
     <p:extLst>
       <p:ext uri="{BB962C8B-B14F-4D97-AF65-F5344CB8AC3E}">
         <p14:creationId xmlns:p14="http://schemas.microsoft.com/office/powerpoint/2010/main" val="3928702170"/>
-      </p:ext>
-    </p:extLst>
-  </p:cSld>
-  <p:clrMapOvr>
-    <a:masterClrMapping/>
-  </p:clrMapOvr>
-</p:sld>
-</file>
-
-<file path=ppt/slides/slide11.xml><?xml version="1.0" encoding="utf-8"?>
-<p:sld xmlns:a="http://schemas.openxmlformats.org/drawingml/2006/main" xmlns:r="http://schemas.openxmlformats.org/officeDocument/2006/relationships" xmlns:p="http://schemas.openxmlformats.org/presentationml/2006/main">
-  <p:cSld>
-    <p:spTree>
-      <p:nvGrpSpPr>
-        <p:cNvPr id="1" name=""/>
-        <p:cNvGrpSpPr/>
-        <p:nvPr/>
-      </p:nvGrpSpPr>
-      <p:grpSpPr>
-        <a:xfrm>
-          <a:off x="0" y="0"/>
-          <a:ext cx="0" cy="0"/>
-          <a:chOff x="0" y="0"/>
-          <a:chExt cx="0" cy="0"/>
-        </a:xfrm>
-      </p:grpSpPr>
-      <p:sp>
-        <p:nvSpPr>
-          <p:cNvPr id="2" name="Title 1">
-            <a:extLst>
-              <a:ext uri="{FF2B5EF4-FFF2-40B4-BE49-F238E27FC236}">
-                <a16:creationId xmlns:a16="http://schemas.microsoft.com/office/drawing/2014/main" id="{892AC3F2-2C51-D145-9786-8A0D0438B81B}"/>
-              </a:ext>
-            </a:extLst>
-          </p:cNvPr>
-          <p:cNvSpPr>
-            <a:spLocks noGrp="1"/>
-          </p:cNvSpPr>
-          <p:nvPr>
-            <p:ph type="title"/>
-          </p:nvPr>
-        </p:nvSpPr>
-        <p:spPr/>
-        <p:txBody>
-          <a:bodyPr/>
-          <a:lstStyle/>
-          <a:p>
-            <a:r>
-              <a:rPr lang="en-US" dirty="0"/>
-              <a:t>Challenges, Discussions and Q&amp;A</a:t>
-            </a:r>
-          </a:p>
-        </p:txBody>
-      </p:sp>
-      <p:sp>
-        <p:nvSpPr>
-          <p:cNvPr id="3" name="Content Placeholder 2">
-            <a:extLst>
-              <a:ext uri="{FF2B5EF4-FFF2-40B4-BE49-F238E27FC236}">
-                <a16:creationId xmlns:a16="http://schemas.microsoft.com/office/drawing/2014/main" id="{9CA51B48-B967-B645-88B0-189B09DE1F1F}"/>
-              </a:ext>
-            </a:extLst>
-          </p:cNvPr>
-          <p:cNvSpPr>
-            <a:spLocks noGrp="1"/>
-          </p:cNvSpPr>
-          <p:nvPr>
-            <p:ph idx="1"/>
-          </p:nvPr>
-        </p:nvSpPr>
-        <p:spPr/>
-        <p:txBody>
-          <a:bodyPr/>
-          <a:lstStyle/>
-          <a:p>
-            <a:endParaRPr lang="en-US" dirty="0"/>
-          </a:p>
-        </p:txBody>
-      </p:sp>
-    </p:spTree>
-    <p:extLst>
-      <p:ext uri="{BB962C8B-B14F-4D97-AF65-F5344CB8AC3E}">
-        <p14:creationId xmlns:p14="http://schemas.microsoft.com/office/powerpoint/2010/main" val="3331909630"/>
-      </p:ext>
-    </p:extLst>
-  </p:cSld>
-  <p:clrMapOvr>
-    <a:masterClrMapping/>
-  </p:clrMapOvr>
-</p:sld>
-</file>
-
-<file path=ppt/slides/slide2.xml><?xml version="1.0" encoding="utf-8"?>
-<p:sld xmlns:a="http://schemas.openxmlformats.org/drawingml/2006/main" xmlns:r="http://schemas.openxmlformats.org/officeDocument/2006/relationships" xmlns:p="http://schemas.openxmlformats.org/presentationml/2006/main">
-  <p:cSld>
-    <p:spTree>
-      <p:nvGrpSpPr>
-        <p:cNvPr id="1" name=""/>
-        <p:cNvGrpSpPr/>
-        <p:nvPr/>
-      </p:nvGrpSpPr>
-      <p:grpSpPr>
-        <a:xfrm>
-          <a:off x="0" y="0"/>
-          <a:ext cx="0" cy="0"/>
-          <a:chOff x="0" y="0"/>
-          <a:chExt cx="0" cy="0"/>
-        </a:xfrm>
-      </p:grpSpPr>
-      <p:sp>
-        <p:nvSpPr>
-          <p:cNvPr id="2" name="Title 1">
-            <a:extLst>
-              <a:ext uri="{FF2B5EF4-FFF2-40B4-BE49-F238E27FC236}">
-                <a16:creationId xmlns:a16="http://schemas.microsoft.com/office/drawing/2014/main" id="{0594EB28-DE00-4144-A775-1CF1B5B618F3}"/>
-              </a:ext>
-            </a:extLst>
-          </p:cNvPr>
-          <p:cNvSpPr>
-            <a:spLocks noGrp="1"/>
-          </p:cNvSpPr>
-          <p:nvPr>
-            <p:ph type="title"/>
-          </p:nvPr>
-        </p:nvSpPr>
-        <p:spPr>
-          <a:xfrm>
-            <a:off x="245076" y="322691"/>
-            <a:ext cx="10515600" cy="1325563"/>
-          </a:xfrm>
-        </p:spPr>
-        <p:txBody>
-          <a:bodyPr/>
-          <a:lstStyle/>
-          <a:p>
-            <a:r>
-              <a:rPr lang="en-US" dirty="0"/>
-              <a:t>Topics covered</a:t>
-            </a:r>
-          </a:p>
-        </p:txBody>
-      </p:sp>
-      <p:sp>
-        <p:nvSpPr>
-          <p:cNvPr id="3" name="Content Placeholder 2">
-            <a:extLst>
-              <a:ext uri="{FF2B5EF4-FFF2-40B4-BE49-F238E27FC236}">
-                <a16:creationId xmlns:a16="http://schemas.microsoft.com/office/drawing/2014/main" id="{8BD3A94F-C7C4-CE4F-A13E-9F4A6BCCF218}"/>
-              </a:ext>
-            </a:extLst>
-          </p:cNvPr>
-          <p:cNvSpPr>
-            <a:spLocks noGrp="1"/>
-          </p:cNvSpPr>
-          <p:nvPr>
-            <p:ph idx="1"/>
-          </p:nvPr>
-        </p:nvSpPr>
-        <p:spPr>
-          <a:xfrm>
-            <a:off x="838200" y="1124465"/>
-            <a:ext cx="10515600" cy="5052498"/>
-          </a:xfrm>
-        </p:spPr>
-        <p:txBody>
-          <a:bodyPr>
-            <a:normAutofit/>
-          </a:bodyPr>
-          <a:lstStyle/>
-          <a:p>
-            <a:endParaRPr lang="en-US" dirty="0"/>
-          </a:p>
-          <a:p>
-            <a:r>
-              <a:rPr lang="en-US" dirty="0"/>
-              <a:t>For our project we decided to work on the current “hot” topic in the world - COVID -19.</a:t>
-            </a:r>
-          </a:p>
-          <a:p>
-            <a:r>
-              <a:rPr lang="en-US" dirty="0"/>
-              <a:t>As much as covid is the hot topic, we didn’t want to give the standard graphs of the infected cases, death rates etc. Instead, we explored other areas related to Covid and how it has impacted our day to day lives.</a:t>
-            </a:r>
-          </a:p>
-          <a:p>
-            <a:r>
-              <a:rPr lang="en-US" dirty="0"/>
-              <a:t>Hence, we concluded that we would do the analysis on the new policy changes introduced in the countries because of Covid and how the new policy changes has made any impact on total and new covid cases.</a:t>
-            </a:r>
-          </a:p>
-        </p:txBody>
-      </p:sp>
-    </p:spTree>
-    <p:extLst>
-      <p:ext uri="{BB962C8B-B14F-4D97-AF65-F5344CB8AC3E}">
-        <p14:creationId xmlns:p14="http://schemas.microsoft.com/office/powerpoint/2010/main" val="3086511434"/>
-      </p:ext>
-    </p:extLst>
-  </p:cSld>
-  <p:clrMapOvr>
-    <a:masterClrMapping/>
-  </p:clrMapOvr>
-</p:sld>
-</file>
-
-<file path=ppt/slides/slide3.xml><?xml version="1.0" encoding="utf-8"?>
-<p:sld xmlns:a="http://schemas.openxmlformats.org/drawingml/2006/main" xmlns:r="http://schemas.openxmlformats.org/officeDocument/2006/relationships" xmlns:p="http://schemas.openxmlformats.org/presentationml/2006/main">
-  <p:cSld>
-    <p:spTree>
-      <p:nvGrpSpPr>
-        <p:cNvPr id="1" name=""/>
-        <p:cNvGrpSpPr/>
-        <p:nvPr/>
-      </p:nvGrpSpPr>
-      <p:grpSpPr>
-        <a:xfrm>
-          <a:off x="0" y="0"/>
-          <a:ext cx="0" cy="0"/>
-          <a:chOff x="0" y="0"/>
-          <a:chExt cx="0" cy="0"/>
-        </a:xfrm>
-      </p:grpSpPr>
-      <p:sp>
-        <p:nvSpPr>
-          <p:cNvPr id="2" name="Title 1">
-            <a:extLst>
-              <a:ext uri="{FF2B5EF4-FFF2-40B4-BE49-F238E27FC236}">
-                <a16:creationId xmlns:a16="http://schemas.microsoft.com/office/drawing/2014/main" id="{8847B0FA-39F8-0948-93AB-629D3CA6CA41}"/>
-              </a:ext>
-            </a:extLst>
-          </p:cNvPr>
-          <p:cNvSpPr>
-            <a:spLocks noGrp="1"/>
-          </p:cNvSpPr>
-          <p:nvPr>
-            <p:ph type="title"/>
-          </p:nvPr>
-        </p:nvSpPr>
-        <p:spPr/>
-        <p:txBody>
-          <a:bodyPr/>
-          <a:lstStyle/>
-          <a:p>
-            <a:r>
-              <a:rPr lang="en-US" dirty="0"/>
-              <a:t>Policy changes for analysis</a:t>
-            </a:r>
-          </a:p>
-        </p:txBody>
-      </p:sp>
-      <p:sp>
-        <p:nvSpPr>
-          <p:cNvPr id="3" name="Content Placeholder 2">
-            <a:extLst>
-              <a:ext uri="{FF2B5EF4-FFF2-40B4-BE49-F238E27FC236}">
-                <a16:creationId xmlns:a16="http://schemas.microsoft.com/office/drawing/2014/main" id="{B54C30EE-CEDD-BB40-B4C0-C78002986151}"/>
-              </a:ext>
-            </a:extLst>
-          </p:cNvPr>
-          <p:cNvSpPr>
-            <a:spLocks noGrp="1"/>
-          </p:cNvSpPr>
-          <p:nvPr>
-            <p:ph idx="1"/>
-          </p:nvPr>
-        </p:nvSpPr>
-        <p:spPr>
-          <a:xfrm>
-            <a:off x="838200" y="1594022"/>
-            <a:ext cx="10515600" cy="4582941"/>
-          </a:xfrm>
-        </p:spPr>
-        <p:txBody>
-          <a:bodyPr/>
-          <a:lstStyle/>
-          <a:p>
-            <a:r>
-              <a:rPr lang="en-US" dirty="0"/>
-              <a:t>For our project, we have selected 7 countries:</a:t>
-            </a:r>
-          </a:p>
-          <a:p>
-            <a:pPr lvl="1"/>
-            <a:r>
-              <a:rPr lang="en-US" dirty="0"/>
-              <a:t>Australia, US, UK, India, China, South Korea and Brazil.</a:t>
-            </a:r>
-          </a:p>
-          <a:p>
-            <a:endParaRPr lang="en-US" dirty="0"/>
-          </a:p>
-          <a:p>
-            <a:r>
-              <a:rPr lang="en-US" dirty="0"/>
-              <a:t>We selected following policies to see their effect on Covid-19.</a:t>
-            </a:r>
-          </a:p>
-          <a:p>
-            <a:endParaRPr lang="en-US" dirty="0"/>
-          </a:p>
-          <a:p>
-            <a:pPr lvl="1"/>
-            <a:r>
-              <a:rPr lang="en-US" dirty="0"/>
-              <a:t>International Travel Restrictions.</a:t>
-            </a:r>
-          </a:p>
-          <a:p>
-            <a:pPr lvl="1"/>
-            <a:r>
-              <a:rPr lang="en-US" dirty="0"/>
-              <a:t>Income Support.</a:t>
-            </a:r>
-          </a:p>
-          <a:p>
-            <a:pPr lvl="1"/>
-            <a:r>
-              <a:rPr lang="en-US" dirty="0"/>
-              <a:t>Face Covering</a:t>
-            </a:r>
-          </a:p>
-        </p:txBody>
-      </p:sp>
-    </p:spTree>
-    <p:extLst>
-      <p:ext uri="{BB962C8B-B14F-4D97-AF65-F5344CB8AC3E}">
-        <p14:creationId xmlns:p14="http://schemas.microsoft.com/office/powerpoint/2010/main" val="1790883855"/>
-      </p:ext>
-    </p:extLst>
-  </p:cSld>
-  <p:clrMapOvr>
-    <a:masterClrMapping/>
-  </p:clrMapOvr>
-</p:sld>
-</file>
-
-<file path=ppt/slides/slide4.xml><?xml version="1.0" encoding="utf-8"?>
-<p:sld xmlns:a="http://schemas.openxmlformats.org/drawingml/2006/main" xmlns:r="http://schemas.openxmlformats.org/officeDocument/2006/relationships" xmlns:p="http://schemas.openxmlformats.org/presentationml/2006/main">
-  <p:cSld>
-    <p:spTree>
-      <p:nvGrpSpPr>
-        <p:cNvPr id="1" name=""/>
-        <p:cNvGrpSpPr/>
-        <p:nvPr/>
-      </p:nvGrpSpPr>
-      <p:grpSpPr>
-        <a:xfrm>
-          <a:off x="0" y="0"/>
-          <a:ext cx="0" cy="0"/>
-          <a:chOff x="0" y="0"/>
-          <a:chExt cx="0" cy="0"/>
-        </a:xfrm>
-      </p:grpSpPr>
-      <p:sp>
-        <p:nvSpPr>
-          <p:cNvPr id="2" name="Title 1">
-            <a:extLst>
-              <a:ext uri="{FF2B5EF4-FFF2-40B4-BE49-F238E27FC236}">
-                <a16:creationId xmlns:a16="http://schemas.microsoft.com/office/drawing/2014/main" id="{DC918CBD-697A-9F4A-A69A-1A2B459F2C7D}"/>
-              </a:ext>
-            </a:extLst>
-          </p:cNvPr>
-          <p:cNvSpPr>
-            <a:spLocks noGrp="1"/>
-          </p:cNvSpPr>
-          <p:nvPr>
-            <p:ph type="title"/>
-          </p:nvPr>
-        </p:nvSpPr>
-        <p:spPr/>
-        <p:txBody>
-          <a:bodyPr/>
-          <a:lstStyle/>
-          <a:p>
-            <a:r>
-              <a:rPr lang="en-US" dirty="0"/>
-              <a:t>Questions and data</a:t>
-            </a:r>
-          </a:p>
-        </p:txBody>
-      </p:sp>
-      <p:sp>
-        <p:nvSpPr>
-          <p:cNvPr id="3" name="Content Placeholder 2">
-            <a:extLst>
-              <a:ext uri="{FF2B5EF4-FFF2-40B4-BE49-F238E27FC236}">
-                <a16:creationId xmlns:a16="http://schemas.microsoft.com/office/drawing/2014/main" id="{CDC29305-852D-464B-9E5E-CE3712E12935}"/>
-              </a:ext>
-            </a:extLst>
-          </p:cNvPr>
-          <p:cNvSpPr>
-            <a:spLocks noGrp="1"/>
-          </p:cNvSpPr>
-          <p:nvPr>
-            <p:ph idx="1"/>
-          </p:nvPr>
-        </p:nvSpPr>
-        <p:spPr>
-          <a:xfrm>
-            <a:off x="838200" y="2343806"/>
-            <a:ext cx="10515600" cy="2554015"/>
-          </a:xfrm>
-        </p:spPr>
-        <p:txBody>
-          <a:bodyPr/>
-          <a:lstStyle/>
-          <a:p>
-            <a:r>
-              <a:rPr lang="en-US" dirty="0"/>
-              <a:t>How, introducing international travel restrictions, facial coverings and income support has impacted each country’s the Covid spreading.</a:t>
-            </a:r>
-          </a:p>
-          <a:p>
-            <a:pPr marL="0" indent="0">
-              <a:buNone/>
-            </a:pPr>
-            <a:endParaRPr lang="en-US" dirty="0"/>
-          </a:p>
-          <a:p>
-            <a:r>
-              <a:rPr lang="en-US" dirty="0"/>
-              <a:t>We gathered data from </a:t>
-            </a:r>
-            <a:r>
-              <a:rPr lang="en-AU" u="sng" dirty="0">
-                <a:hlinkClick r:id="rId3"/>
-              </a:rPr>
-              <a:t>https://ourworldindata.org/covid-cases</a:t>
-            </a:r>
-            <a:endParaRPr lang="en-AU" u="sng" dirty="0"/>
-          </a:p>
-          <a:p>
-            <a:pPr marL="0" indent="0">
-              <a:buNone/>
-            </a:pPr>
-            <a:endParaRPr lang="en-AU" u="sng" dirty="0"/>
-          </a:p>
-          <a:p>
-            <a:pPr marL="457200" lvl="1" indent="0">
-              <a:buNone/>
-            </a:pPr>
-            <a:endParaRPr lang="en-AU" u="sng" dirty="0"/>
-          </a:p>
-          <a:p>
-            <a:pPr marL="457200" lvl="1" indent="0">
-              <a:buNone/>
-            </a:pPr>
-            <a:endParaRPr lang="en-US" dirty="0"/>
-          </a:p>
-          <a:p>
-            <a:endParaRPr lang="en-US" dirty="0"/>
-          </a:p>
-        </p:txBody>
-      </p:sp>
-    </p:spTree>
-    <p:extLst>
-      <p:ext uri="{BB962C8B-B14F-4D97-AF65-F5344CB8AC3E}">
-        <p14:creationId xmlns:p14="http://schemas.microsoft.com/office/powerpoint/2010/main" val="3526440830"/>
-      </p:ext>
-    </p:extLst>
-  </p:cSld>
-  <p:clrMapOvr>
-    <a:masterClrMapping/>
-  </p:clrMapOvr>
-</p:sld>
-</file>
-
-<file path=ppt/slides/slide5.xml><?xml version="1.0" encoding="utf-8"?>
-<p:sld xmlns:a="http://schemas.openxmlformats.org/drawingml/2006/main" xmlns:r="http://schemas.openxmlformats.org/officeDocument/2006/relationships" xmlns:p="http://schemas.openxmlformats.org/presentationml/2006/main">
-  <p:cSld>
-    <p:spTree>
-      <p:nvGrpSpPr>
-        <p:cNvPr id="1" name=""/>
-        <p:cNvGrpSpPr/>
-        <p:nvPr/>
-      </p:nvGrpSpPr>
-      <p:grpSpPr>
-        <a:xfrm>
-          <a:off x="0" y="0"/>
-          <a:ext cx="0" cy="0"/>
-          <a:chOff x="0" y="0"/>
-          <a:chExt cx="0" cy="0"/>
-        </a:xfrm>
-      </p:grpSpPr>
-      <p:sp>
-        <p:nvSpPr>
-          <p:cNvPr id="2" name="Title 1">
-            <a:extLst>
-              <a:ext uri="{FF2B5EF4-FFF2-40B4-BE49-F238E27FC236}">
-                <a16:creationId xmlns:a16="http://schemas.microsoft.com/office/drawing/2014/main" id="{9F8C102D-1821-6843-A3A0-79807DAB99B7}"/>
-              </a:ext>
-            </a:extLst>
-          </p:cNvPr>
-          <p:cNvSpPr>
-            <a:spLocks noGrp="1"/>
-          </p:cNvSpPr>
-          <p:nvPr>
-            <p:ph type="title"/>
-          </p:nvPr>
-        </p:nvSpPr>
-        <p:spPr/>
-        <p:txBody>
-          <a:bodyPr/>
-          <a:lstStyle/>
-          <a:p>
-            <a:r>
-              <a:rPr lang="en-AU" dirty="0"/>
-              <a:t>Data Clean-up &amp; Exploration</a:t>
-            </a:r>
-            <a:endParaRPr lang="en-US" dirty="0"/>
-          </a:p>
-        </p:txBody>
-      </p:sp>
-      <p:sp>
-        <p:nvSpPr>
-          <p:cNvPr id="3" name="Content Placeholder 2">
-            <a:extLst>
-              <a:ext uri="{FF2B5EF4-FFF2-40B4-BE49-F238E27FC236}">
-                <a16:creationId xmlns:a16="http://schemas.microsoft.com/office/drawing/2014/main" id="{BB53B9C0-6995-6849-8B9C-FD97E873C9CA}"/>
-              </a:ext>
-            </a:extLst>
-          </p:cNvPr>
-          <p:cNvSpPr>
-            <a:spLocks noGrp="1"/>
-          </p:cNvSpPr>
-          <p:nvPr>
-            <p:ph idx="1"/>
-          </p:nvPr>
-        </p:nvSpPr>
-        <p:spPr>
-          <a:xfrm>
-            <a:off x="838200" y="1556951"/>
-            <a:ext cx="10515600" cy="4620012"/>
-          </a:xfrm>
-        </p:spPr>
-        <p:txBody>
-          <a:bodyPr/>
-          <a:lstStyle/>
-          <a:p>
-            <a:r>
-              <a:rPr lang="en-US" dirty="0"/>
-              <a:t>Gathered raw covid data and policy data for all the countries.</a:t>
-            </a:r>
-          </a:p>
-          <a:p>
-            <a:r>
-              <a:rPr lang="en-US" dirty="0"/>
-              <a:t>Data range - Jan 2020 and June 2021.</a:t>
-            </a:r>
-          </a:p>
-          <a:p>
-            <a:r>
-              <a:rPr lang="en-US" dirty="0"/>
-              <a:t>Loaded data into jupyter notebook.</a:t>
-            </a:r>
-          </a:p>
-          <a:p>
-            <a:r>
-              <a:rPr lang="en-US" dirty="0"/>
-              <a:t>Removed the unnecessary rows which causes duplication.</a:t>
-            </a:r>
-          </a:p>
-          <a:p>
-            <a:r>
-              <a:rPr lang="en-US" dirty="0"/>
-              <a:t>Reduced the data to only the countries we are doing the analysis on.</a:t>
-            </a:r>
-          </a:p>
-          <a:p>
-            <a:r>
-              <a:rPr lang="en-US" dirty="0"/>
-              <a:t>Merged the covid data and the data each of us working on.</a:t>
-            </a:r>
-          </a:p>
-          <a:p>
-            <a:r>
-              <a:rPr lang="en-US" dirty="0"/>
-              <a:t>Finally plotted the graph based on the merged data.</a:t>
-            </a:r>
-          </a:p>
-        </p:txBody>
-      </p:sp>
-    </p:spTree>
-    <p:extLst>
-      <p:ext uri="{BB962C8B-B14F-4D97-AF65-F5344CB8AC3E}">
-        <p14:creationId xmlns:p14="http://schemas.microsoft.com/office/powerpoint/2010/main" val="3573882748"/>
-      </p:ext>
-    </p:extLst>
-  </p:cSld>
-  <p:clrMapOvr>
-    <a:masterClrMapping/>
-  </p:clrMapOvr>
-</p:sld>
-</file>
-
-<file path=ppt/slides/slide6.xml><?xml version="1.0" encoding="utf-8"?>
-<p:sld xmlns:a="http://schemas.openxmlformats.org/drawingml/2006/main" xmlns:r="http://schemas.openxmlformats.org/officeDocument/2006/relationships" xmlns:p="http://schemas.openxmlformats.org/presentationml/2006/main">
-  <p:cSld>
-    <p:spTree>
-      <p:nvGrpSpPr>
-        <p:cNvPr id="1" name=""/>
-        <p:cNvGrpSpPr/>
-        <p:nvPr/>
-      </p:nvGrpSpPr>
-      <p:grpSpPr>
-        <a:xfrm>
-          <a:off x="0" y="0"/>
-          <a:ext cx="0" cy="0"/>
-          <a:chOff x="0" y="0"/>
-          <a:chExt cx="0" cy="0"/>
-        </a:xfrm>
-      </p:grpSpPr>
-      <p:sp>
-        <p:nvSpPr>
-          <p:cNvPr id="2" name="Title 1">
-            <a:extLst>
-              <a:ext uri="{FF2B5EF4-FFF2-40B4-BE49-F238E27FC236}">
-                <a16:creationId xmlns:a16="http://schemas.microsoft.com/office/drawing/2014/main" id="{7217F89E-9FC0-0E4E-B1E5-A1DC8007426E}"/>
-              </a:ext>
-            </a:extLst>
-          </p:cNvPr>
-          <p:cNvSpPr>
-            <a:spLocks noGrp="1"/>
-          </p:cNvSpPr>
-          <p:nvPr>
-            <p:ph type="title"/>
-          </p:nvPr>
-        </p:nvSpPr>
-        <p:spPr/>
-        <p:txBody>
-          <a:bodyPr/>
-          <a:lstStyle/>
-          <a:p>
-            <a:r>
-              <a:rPr lang="en-US" dirty="0"/>
-              <a:t>Sample data</a:t>
-            </a:r>
-          </a:p>
-        </p:txBody>
-      </p:sp>
-      <p:pic>
-        <p:nvPicPr>
-          <p:cNvPr id="5" name="Content Placeholder 4" descr="Table, calendar&#10;&#10;Description automatically generated">
-            <a:extLst>
-              <a:ext uri="{FF2B5EF4-FFF2-40B4-BE49-F238E27FC236}">
-                <a16:creationId xmlns:a16="http://schemas.microsoft.com/office/drawing/2014/main" id="{A02D7007-ECB7-5446-BFDA-788FDC153FAA}"/>
-              </a:ext>
-            </a:extLst>
-          </p:cNvPr>
-          <p:cNvPicPr>
-            <a:picLocks noGrp="1" noChangeAspect="1"/>
-          </p:cNvPicPr>
-          <p:nvPr>
-            <p:ph idx="1"/>
-          </p:nvPr>
-        </p:nvPicPr>
-        <p:blipFill>
-          <a:blip r:embed="rId2"/>
-          <a:stretch>
-            <a:fillRect/>
-          </a:stretch>
-        </p:blipFill>
-        <p:spPr>
-          <a:xfrm>
-            <a:off x="400010" y="2179281"/>
-            <a:ext cx="7229475" cy="2499437"/>
-          </a:xfrm>
-        </p:spPr>
-      </p:pic>
-      <p:pic>
-        <p:nvPicPr>
-          <p:cNvPr id="7" name="Picture 6" descr="Table&#10;&#10;Description automatically generated">
-            <a:extLst>
-              <a:ext uri="{FF2B5EF4-FFF2-40B4-BE49-F238E27FC236}">
-                <a16:creationId xmlns:a16="http://schemas.microsoft.com/office/drawing/2014/main" id="{28D8A727-49DD-CA41-9926-581D74527288}"/>
-              </a:ext>
-            </a:extLst>
-          </p:cNvPr>
-          <p:cNvPicPr>
-            <a:picLocks noChangeAspect="1"/>
-          </p:cNvPicPr>
-          <p:nvPr/>
-        </p:nvPicPr>
-        <p:blipFill>
-          <a:blip r:embed="rId3"/>
-          <a:stretch>
-            <a:fillRect/>
-          </a:stretch>
-        </p:blipFill>
-        <p:spPr>
-          <a:xfrm>
-            <a:off x="8324873" y="1690688"/>
-            <a:ext cx="3193771" cy="3223913"/>
-          </a:xfrm>
-          <a:prstGeom prst="rect">
-            <a:avLst/>
-          </a:prstGeom>
-        </p:spPr>
-      </p:pic>
-    </p:spTree>
-    <p:extLst>
-      <p:ext uri="{BB962C8B-B14F-4D97-AF65-F5344CB8AC3E}">
-        <p14:creationId xmlns:p14="http://schemas.microsoft.com/office/powerpoint/2010/main" val="52244890"/>
-      </p:ext>
-    </p:extLst>
-  </p:cSld>
-  <p:clrMapOvr>
-    <a:masterClrMapping/>
-  </p:clrMapOvr>
-</p:sld>
-</file>
-
-<file path=ppt/slides/slide7.xml><?xml version="1.0" encoding="utf-8"?>
-<p:sld xmlns:a="http://schemas.openxmlformats.org/drawingml/2006/main" xmlns:r="http://schemas.openxmlformats.org/officeDocument/2006/relationships" xmlns:p="http://schemas.openxmlformats.org/presentationml/2006/main">
-  <p:cSld>
-    <p:bg>
-      <p:bgPr>
-        <a:solidFill>
-          <a:schemeClr val="bg1"/>
-        </a:solidFill>
-        <a:effectLst/>
-      </p:bgPr>
-    </p:bg>
-    <p:spTree>
-      <p:nvGrpSpPr>
-        <p:cNvPr id="1" name=""/>
-        <p:cNvGrpSpPr/>
-        <p:nvPr/>
-      </p:nvGrpSpPr>
-      <p:grpSpPr>
-        <a:xfrm>
-          <a:off x="0" y="0"/>
-          <a:ext cx="0" cy="0"/>
-          <a:chOff x="0" y="0"/>
-          <a:chExt cx="0" cy="0"/>
-        </a:xfrm>
-      </p:grpSpPr>
-      <p:sp>
-        <p:nvSpPr>
-          <p:cNvPr id="16" name="Rectangle 15">
-            <a:extLst>
-              <a:ext uri="{FF2B5EF4-FFF2-40B4-BE49-F238E27FC236}">
-                <a16:creationId xmlns:a16="http://schemas.microsoft.com/office/drawing/2014/main" id="{2B566528-1B12-4246-9431-5C2D7D081168}"/>
-              </a:ext>
-              <a:ext uri="{C183D7F6-B498-43B3-948B-1728B52AA6E4}">
-                <adec:decorative xmlns:adec="http://schemas.microsoft.com/office/drawing/2017/decorative" val="1"/>
-              </a:ext>
-            </a:extLst>
-          </p:cNvPr>
-          <p:cNvSpPr>
-            <a:spLocks noGrp="1" noRot="1" noChangeAspect="1" noMove="1" noResize="1" noEditPoints="1" noAdjustHandles="1" noChangeArrowheads="1" noChangeShapeType="1" noTextEdit="1"/>
-          </p:cNvSpPr>
-          <p:nvPr>
-            <p:extLst>
-              <p:ext uri="{386F3935-93C4-4BCD-93E2-E3B085C9AB24}">
-                <p16:designElem xmlns:p16="http://schemas.microsoft.com/office/powerpoint/2015/main" val="1"/>
-              </p:ext>
-            </p:extLst>
-          </p:nvPr>
-        </p:nvSpPr>
-        <p:spPr>
-          <a:xfrm>
-            <a:off x="0" y="0"/>
-            <a:ext cx="12192000" cy="6858000"/>
-          </a:xfrm>
-          <a:prstGeom prst="rect">
-            <a:avLst/>
-          </a:prstGeom>
-          <a:solidFill>
-            <a:schemeClr val="bg1"/>
-          </a:solidFill>
-          <a:ln>
-            <a:noFill/>
-          </a:ln>
-        </p:spPr>
-        <p:style>
-          <a:lnRef idx="2">
-            <a:schemeClr val="accent1">
-              <a:shade val="50000"/>
-            </a:schemeClr>
-          </a:lnRef>
-          <a:fillRef idx="1">
-            <a:schemeClr val="accent1"/>
-          </a:fillRef>
-          <a:effectRef idx="0">
-            <a:schemeClr val="accent1"/>
-          </a:effectRef>
-          <a:fontRef idx="minor">
-            <a:schemeClr val="lt1"/>
-          </a:fontRef>
-        </p:style>
-        <p:txBody>
-          <a:bodyPr rtlCol="0" anchor="ctr"/>
-          <a:lstStyle/>
-          <a:p>
-            <a:pPr algn="ctr"/>
-            <a:endParaRPr lang="en-US" dirty="0"/>
-          </a:p>
-        </p:txBody>
-      </p:sp>
-      <p:sp>
-        <p:nvSpPr>
-          <p:cNvPr id="2" name="Title 1">
-            <a:extLst>
-              <a:ext uri="{FF2B5EF4-FFF2-40B4-BE49-F238E27FC236}">
-                <a16:creationId xmlns:a16="http://schemas.microsoft.com/office/drawing/2014/main" id="{4B769D06-6A53-CC4E-9BB4-0B108A3E7B6A}"/>
-              </a:ext>
-            </a:extLst>
-          </p:cNvPr>
-          <p:cNvSpPr>
-            <a:spLocks noGrp="1"/>
-          </p:cNvSpPr>
-          <p:nvPr>
-            <p:ph type="title"/>
-          </p:nvPr>
-        </p:nvSpPr>
-        <p:spPr>
-          <a:xfrm>
-            <a:off x="643467" y="321734"/>
-            <a:ext cx="10905066" cy="1135737"/>
-          </a:xfrm>
-        </p:spPr>
-        <p:txBody>
-          <a:bodyPr>
-            <a:normAutofit/>
-          </a:bodyPr>
-          <a:lstStyle/>
-          <a:p>
-            <a:r>
-              <a:rPr lang="en-US" sz="3600" dirty="0"/>
-              <a:t>Monthly New cases In The Countries</a:t>
-            </a:r>
-          </a:p>
-        </p:txBody>
-      </p:sp>
-      <p:sp>
-        <p:nvSpPr>
-          <p:cNvPr id="3" name="Content Placeholder 2">
-            <a:extLst>
-              <a:ext uri="{FF2B5EF4-FFF2-40B4-BE49-F238E27FC236}">
-                <a16:creationId xmlns:a16="http://schemas.microsoft.com/office/drawing/2014/main" id="{975E6AC8-BB7C-614B-A48B-C990015F5863}"/>
-              </a:ext>
-            </a:extLst>
-          </p:cNvPr>
-          <p:cNvSpPr>
-            <a:spLocks noGrp="1"/>
-          </p:cNvSpPr>
-          <p:nvPr>
-            <p:ph idx="1"/>
-          </p:nvPr>
-        </p:nvSpPr>
-        <p:spPr>
-          <a:xfrm>
-            <a:off x="643470" y="1782981"/>
-            <a:ext cx="2257386" cy="4275987"/>
-          </a:xfrm>
-        </p:spPr>
-        <p:txBody>
-          <a:bodyPr>
-            <a:normAutofit/>
-          </a:bodyPr>
-          <a:lstStyle/>
-          <a:p>
-            <a:endParaRPr lang="en-US" sz="2000" dirty="0"/>
-          </a:p>
-        </p:txBody>
-      </p:sp>
-      <p:grpSp>
-        <p:nvGrpSpPr>
-          <p:cNvPr id="18" name="Group 17">
-            <a:extLst>
-              <a:ext uri="{FF2B5EF4-FFF2-40B4-BE49-F238E27FC236}">
-                <a16:creationId xmlns:a16="http://schemas.microsoft.com/office/drawing/2014/main" id="{828A5161-06F1-46CF-8AD7-844680A59E13}"/>
-              </a:ext>
-              <a:ext uri="{C183D7F6-B498-43B3-948B-1728B52AA6E4}">
-                <adec:decorative xmlns:adec="http://schemas.microsoft.com/office/drawing/2017/decorative" val="1"/>
-              </a:ext>
-            </a:extLst>
-          </p:cNvPr>
-          <p:cNvGrpSpPr>
-            <a:grpSpLocks noGrp="1" noUngrp="1" noRot="1" noChangeAspect="1" noMove="1" noResize="1"/>
-          </p:cNvGrpSpPr>
-          <p:nvPr>
-            <p:extLst>
-              <p:ext uri="{386F3935-93C4-4BCD-93E2-E3B085C9AB24}">
-                <p16:designElem xmlns:p16="http://schemas.microsoft.com/office/powerpoint/2015/main" val="1"/>
-              </p:ext>
-            </p:extLst>
-          </p:nvPr>
-        </p:nvGrpSpPr>
-        <p:grpSpPr>
-          <a:xfrm>
-            <a:off x="0" y="4601497"/>
-            <a:ext cx="1014060" cy="2017580"/>
-            <a:chOff x="0" y="4601497"/>
-            <a:chExt cx="1014060" cy="2017580"/>
-          </a:xfrm>
-        </p:grpSpPr>
-        <p:sp>
-          <p:nvSpPr>
-            <p:cNvPr id="19" name="Isosceles Triangle 18">
-              <a:extLst>
-                <a:ext uri="{FF2B5EF4-FFF2-40B4-BE49-F238E27FC236}">
-                  <a16:creationId xmlns:a16="http://schemas.microsoft.com/office/drawing/2014/main" id="{D3F51FEB-38FB-4F6C-9F7B-2F2AFAB65463}"/>
-                </a:ext>
-                <a:ext uri="{C183D7F6-B498-43B3-948B-1728B52AA6E4}">
-                  <adec:decorative xmlns:adec="http://schemas.microsoft.com/office/drawing/2017/decorative" val="1"/>
-                </a:ext>
-              </a:extLst>
-            </p:cNvPr>
-            <p:cNvSpPr/>
-            <p:nvPr>
-              <p:extLst>
-                <p:ext uri="{386F3935-93C4-4BCD-93E2-E3B085C9AB24}">
-                  <p16:designElem xmlns:p16="http://schemas.microsoft.com/office/powerpoint/2015/main" val="1"/>
-                </p:ext>
-              </p:extLst>
-            </p:nvPr>
-          </p:nvSpPr>
-          <p:spPr>
-            <a:xfrm rot="5400000">
-              <a:off x="-501760" y="5103257"/>
-              <a:ext cx="2017580" cy="1014060"/>
-            </a:xfrm>
-            <a:prstGeom prst="triangle">
-              <a:avLst>
-                <a:gd name="adj" fmla="val 50000"/>
-              </a:avLst>
-            </a:prstGeom>
-            <a:solidFill>
-              <a:schemeClr val="accent1">
-                <a:alpha val="30000"/>
-              </a:schemeClr>
-            </a:solidFill>
-            <a:ln>
-              <a:noFill/>
-            </a:ln>
-          </p:spPr>
-          <p:style>
-            <a:lnRef idx="2">
-              <a:schemeClr val="accent1">
-                <a:shade val="50000"/>
-              </a:schemeClr>
-            </a:lnRef>
-            <a:fillRef idx="1">
-              <a:schemeClr val="accent1"/>
-            </a:fillRef>
-            <a:effectRef idx="0">
-              <a:schemeClr val="accent1"/>
-            </a:effectRef>
-            <a:fontRef idx="minor">
-              <a:schemeClr val="lt1"/>
-            </a:fontRef>
-          </p:style>
-          <p:txBody>
-            <a:bodyPr rtlCol="0" anchor="ctr"/>
-            <a:lstStyle/>
-            <a:p>
-              <a:pPr algn="ctr"/>
-              <a:endParaRPr lang="en-US"/>
-            </a:p>
-          </p:txBody>
-        </p:sp>
-        <p:sp>
-          <p:nvSpPr>
-            <p:cNvPr id="20" name="Rectangle 19">
-              <a:extLst>
-                <a:ext uri="{FF2B5EF4-FFF2-40B4-BE49-F238E27FC236}">
-                  <a16:creationId xmlns:a16="http://schemas.microsoft.com/office/drawing/2014/main" id="{1E547BA6-BAE0-43BB-A7CA-60F69CE252F0}"/>
-                </a:ext>
-                <a:ext uri="{C183D7F6-B498-43B3-948B-1728B52AA6E4}">
-                  <adec:decorative xmlns:adec="http://schemas.microsoft.com/office/drawing/2017/decorative" val="1"/>
-                </a:ext>
-              </a:extLst>
-            </p:cNvPr>
-            <p:cNvSpPr/>
-            <p:nvPr>
-              <p:extLst>
-                <p:ext uri="{386F3935-93C4-4BCD-93E2-E3B085C9AB24}">
-                  <p16:designElem xmlns:p16="http://schemas.microsoft.com/office/powerpoint/2015/main" val="1"/>
-                </p:ext>
-              </p:extLst>
-            </p:nvPr>
-          </p:nvSpPr>
-          <p:spPr>
-            <a:xfrm rot="2700000">
-              <a:off x="427916" y="5728708"/>
-              <a:ext cx="485578" cy="485578"/>
-            </a:xfrm>
-            <a:prstGeom prst="rect">
-              <a:avLst/>
-            </a:prstGeom>
-            <a:solidFill>
-              <a:schemeClr val="accent1">
-                <a:alpha val="30000"/>
-              </a:schemeClr>
-            </a:solidFill>
-            <a:ln>
-              <a:noFill/>
-            </a:ln>
-          </p:spPr>
-          <p:style>
-            <a:lnRef idx="2">
-              <a:schemeClr val="accent1">
-                <a:shade val="50000"/>
-              </a:schemeClr>
-            </a:lnRef>
-            <a:fillRef idx="1">
-              <a:schemeClr val="accent1"/>
-            </a:fillRef>
-            <a:effectRef idx="0">
-              <a:schemeClr val="accent1"/>
-            </a:effectRef>
-            <a:fontRef idx="minor">
-              <a:schemeClr val="lt1"/>
-            </a:fontRef>
-          </p:style>
-          <p:txBody>
-            <a:bodyPr rtlCol="0" anchor="ctr"/>
-            <a:lstStyle/>
-            <a:p>
-              <a:pPr algn="ctr"/>
-              <a:endParaRPr lang="en-US"/>
-            </a:p>
-          </p:txBody>
-        </p:sp>
-      </p:grpSp>
-      <p:pic>
-        <p:nvPicPr>
-          <p:cNvPr id="11" name="Picture 10" descr="Chart, line chart&#10;&#10;Description automatically generated">
-            <a:extLst>
-              <a:ext uri="{FF2B5EF4-FFF2-40B4-BE49-F238E27FC236}">
-                <a16:creationId xmlns:a16="http://schemas.microsoft.com/office/drawing/2014/main" id="{A0A754E6-9EB8-2347-A2F1-6D3C5015617F}"/>
-              </a:ext>
-            </a:extLst>
-          </p:cNvPr>
-          <p:cNvPicPr>
-            <a:picLocks noChangeAspect="1"/>
-          </p:cNvPicPr>
-          <p:nvPr/>
-        </p:nvPicPr>
-        <p:blipFill>
-          <a:blip r:embed="rId2"/>
-          <a:stretch>
-            <a:fillRect/>
-          </a:stretch>
-        </p:blipFill>
-        <p:spPr>
-          <a:xfrm>
-            <a:off x="2795753" y="1097868"/>
-            <a:ext cx="9213485" cy="5646212"/>
-          </a:xfrm>
-          <a:prstGeom prst="rect">
-            <a:avLst/>
-          </a:prstGeom>
-        </p:spPr>
-      </p:pic>
-      <p:grpSp>
-        <p:nvGrpSpPr>
-          <p:cNvPr id="22" name="Group 21">
-            <a:extLst>
-              <a:ext uri="{FF2B5EF4-FFF2-40B4-BE49-F238E27FC236}">
-                <a16:creationId xmlns:a16="http://schemas.microsoft.com/office/drawing/2014/main" id="{5995D10D-E9C9-47DB-AE7E-801FEF38F5C9}"/>
-              </a:ext>
-              <a:ext uri="{C183D7F6-B498-43B3-948B-1728B52AA6E4}">
-                <adec:decorative xmlns:adec="http://schemas.microsoft.com/office/drawing/2017/decorative" val="1"/>
-              </a:ext>
-            </a:extLst>
-          </p:cNvPr>
-          <p:cNvGrpSpPr>
-            <a:grpSpLocks noGrp="1" noUngrp="1" noRot="1" noChangeAspect="1" noMove="1" noResize="1"/>
-          </p:cNvGrpSpPr>
-          <p:nvPr>
-            <p:extLst>
-              <p:ext uri="{386F3935-93C4-4BCD-93E2-E3B085C9AB24}">
-                <p16:designElem xmlns:p16="http://schemas.microsoft.com/office/powerpoint/2015/main" val="1"/>
-              </p:ext>
-            </p:extLst>
-          </p:nvPr>
-        </p:nvGrpSpPr>
-        <p:grpSpPr>
-          <a:xfrm>
-            <a:off x="11219290" y="1"/>
-            <a:ext cx="972709" cy="1935307"/>
-            <a:chOff x="10918968" y="713127"/>
-            <a:chExt cx="1273032" cy="2532832"/>
-          </a:xfrm>
-        </p:grpSpPr>
-        <p:sp>
-          <p:nvSpPr>
-            <p:cNvPr id="23" name="Rectangle 22">
-              <a:extLst>
-                <a:ext uri="{FF2B5EF4-FFF2-40B4-BE49-F238E27FC236}">
-                  <a16:creationId xmlns:a16="http://schemas.microsoft.com/office/drawing/2014/main" id="{CC1A72C6-3DE4-4EC3-9AD5-9E0D40D8CE8A}"/>
-                </a:ext>
-                <a:ext uri="{C183D7F6-B498-43B3-948B-1728B52AA6E4}">
-                  <adec:decorative xmlns:adec="http://schemas.microsoft.com/office/drawing/2017/decorative" val="1"/>
-                </a:ext>
-              </a:extLst>
-            </p:cNvPr>
-            <p:cNvSpPr/>
-            <p:nvPr>
-              <p:extLst>
-                <p:ext uri="{386F3935-93C4-4BCD-93E2-E3B085C9AB24}">
-                  <p16:designElem xmlns:p16="http://schemas.microsoft.com/office/powerpoint/2015/main" val="1"/>
-                </p:ext>
-              </p:extLst>
-            </p:nvPr>
-          </p:nvSpPr>
-          <p:spPr>
-            <a:xfrm rot="2700000">
-              <a:off x="11052629" y="2120024"/>
-              <a:ext cx="645368" cy="645368"/>
-            </a:xfrm>
-            <a:prstGeom prst="rect">
-              <a:avLst/>
-            </a:prstGeom>
-            <a:solidFill>
-              <a:schemeClr val="accent4">
-                <a:alpha val="30000"/>
-              </a:schemeClr>
-            </a:solidFill>
-            <a:ln>
-              <a:noFill/>
-            </a:ln>
-          </p:spPr>
-          <p:style>
-            <a:lnRef idx="2">
-              <a:schemeClr val="accent1">
-                <a:shade val="50000"/>
-              </a:schemeClr>
-            </a:lnRef>
-            <a:fillRef idx="1">
-              <a:schemeClr val="accent1"/>
-            </a:fillRef>
-            <a:effectRef idx="0">
-              <a:schemeClr val="accent1"/>
-            </a:effectRef>
-            <a:fontRef idx="minor">
-              <a:schemeClr val="lt1"/>
-            </a:fontRef>
-          </p:style>
-          <p:txBody>
-            <a:bodyPr rtlCol="0" anchor="ctr"/>
-            <a:lstStyle/>
-            <a:p>
-              <a:pPr algn="ctr"/>
-              <a:endParaRPr lang="en-US"/>
-            </a:p>
-          </p:txBody>
-        </p:sp>
-        <p:sp>
-          <p:nvSpPr>
-            <p:cNvPr id="24" name="Isosceles Triangle 23">
-              <a:extLst>
-                <a:ext uri="{FF2B5EF4-FFF2-40B4-BE49-F238E27FC236}">
-                  <a16:creationId xmlns:a16="http://schemas.microsoft.com/office/drawing/2014/main" id="{0B0DA1F1-C391-4EDF-9FE0-23E86E137765}"/>
-                </a:ext>
-                <a:ext uri="{C183D7F6-B498-43B3-948B-1728B52AA6E4}">
-                  <adec:decorative xmlns:adec="http://schemas.microsoft.com/office/drawing/2017/decorative" val="1"/>
-                </a:ext>
-              </a:extLst>
-            </p:cNvPr>
-            <p:cNvSpPr/>
-            <p:nvPr>
-              <p:extLst>
-                <p:ext uri="{386F3935-93C4-4BCD-93E2-E3B085C9AB24}">
-                  <p16:designElem xmlns:p16="http://schemas.microsoft.com/office/powerpoint/2015/main" val="1"/>
-                </p:ext>
-              </p:extLst>
-            </p:nvPr>
-          </p:nvSpPr>
-          <p:spPr>
-            <a:xfrm rot="16200000">
-              <a:off x="10289068" y="1343027"/>
-              <a:ext cx="2532832" cy="1273032"/>
-            </a:xfrm>
-            <a:prstGeom prst="triangle">
-              <a:avLst>
-                <a:gd name="adj" fmla="val 50000"/>
-              </a:avLst>
-            </a:prstGeom>
-            <a:solidFill>
-              <a:schemeClr val="accent4">
-                <a:alpha val="30000"/>
-              </a:schemeClr>
-            </a:solidFill>
-            <a:ln>
-              <a:noFill/>
-            </a:ln>
-          </p:spPr>
-          <p:style>
-            <a:lnRef idx="2">
-              <a:schemeClr val="accent1">
-                <a:shade val="50000"/>
-              </a:schemeClr>
-            </a:lnRef>
-            <a:fillRef idx="1">
-              <a:schemeClr val="accent1"/>
-            </a:fillRef>
-            <a:effectRef idx="0">
-              <a:schemeClr val="accent1"/>
-            </a:effectRef>
-            <a:fontRef idx="minor">
-              <a:schemeClr val="lt1"/>
-            </a:fontRef>
-          </p:style>
-          <p:txBody>
-            <a:bodyPr rtlCol="0" anchor="ctr"/>
-            <a:lstStyle/>
-            <a:p>
-              <a:pPr algn="ctr"/>
-              <a:endParaRPr lang="en-US" dirty="0"/>
-            </a:p>
-          </p:txBody>
-        </p:sp>
-      </p:grpSp>
-    </p:spTree>
-    <p:extLst>
-      <p:ext uri="{BB962C8B-B14F-4D97-AF65-F5344CB8AC3E}">
-        <p14:creationId xmlns:p14="http://schemas.microsoft.com/office/powerpoint/2010/main" val="971295142"/>
-      </p:ext>
-    </p:extLst>
-  </p:cSld>
-  <p:clrMapOvr>
-    <a:masterClrMapping/>
-  </p:clrMapOvr>
-</p:sld>
-</file>
-
-<file path=ppt/slides/slide8.xml><?xml version="1.0" encoding="utf-8"?>
-<p:sld xmlns:a="http://schemas.openxmlformats.org/drawingml/2006/main" xmlns:r="http://schemas.openxmlformats.org/officeDocument/2006/relationships" xmlns:p="http://schemas.openxmlformats.org/presentationml/2006/main">
-  <p:cSld>
-    <p:spTree>
-      <p:nvGrpSpPr>
-        <p:cNvPr id="1" name=""/>
-        <p:cNvGrpSpPr/>
-        <p:nvPr/>
-      </p:nvGrpSpPr>
-      <p:grpSpPr>
-        <a:xfrm>
-          <a:off x="0" y="0"/>
-          <a:ext cx="0" cy="0"/>
-          <a:chOff x="0" y="0"/>
-          <a:chExt cx="0" cy="0"/>
-        </a:xfrm>
-      </p:grpSpPr>
-      <p:sp>
-        <p:nvSpPr>
-          <p:cNvPr id="2" name="Title 1">
-            <a:extLst>
-              <a:ext uri="{FF2B5EF4-FFF2-40B4-BE49-F238E27FC236}">
-                <a16:creationId xmlns:a16="http://schemas.microsoft.com/office/drawing/2014/main" id="{DEA0AC28-524F-8C43-A070-6B79D9B00BBD}"/>
-              </a:ext>
-            </a:extLst>
-          </p:cNvPr>
-          <p:cNvSpPr>
-            <a:spLocks noGrp="1"/>
-          </p:cNvSpPr>
-          <p:nvPr>
-            <p:ph type="title"/>
-          </p:nvPr>
-        </p:nvSpPr>
-        <p:spPr/>
-        <p:txBody>
-          <a:bodyPr/>
-          <a:lstStyle/>
-          <a:p>
-            <a:r>
-              <a:rPr lang="en-US" dirty="0"/>
-              <a:t>New cases vs income support</a:t>
-            </a:r>
-          </a:p>
-        </p:txBody>
-      </p:sp>
-      <p:sp>
-        <p:nvSpPr>
-          <p:cNvPr id="3" name="Content Placeholder 2">
-            <a:extLst>
-              <a:ext uri="{FF2B5EF4-FFF2-40B4-BE49-F238E27FC236}">
-                <a16:creationId xmlns:a16="http://schemas.microsoft.com/office/drawing/2014/main" id="{35809C6E-C63E-9F43-81F8-39A2D2B4A7DB}"/>
-              </a:ext>
-            </a:extLst>
-          </p:cNvPr>
-          <p:cNvSpPr>
-            <a:spLocks noGrp="1"/>
-          </p:cNvSpPr>
-          <p:nvPr>
-            <p:ph idx="1"/>
-          </p:nvPr>
-        </p:nvSpPr>
-        <p:spPr/>
-        <p:txBody>
-          <a:bodyPr/>
-          <a:lstStyle/>
-          <a:p>
-            <a:endParaRPr lang="en-US" dirty="0"/>
-          </a:p>
-        </p:txBody>
-      </p:sp>
-    </p:spTree>
-    <p:extLst>
-      <p:ext uri="{BB962C8B-B14F-4D97-AF65-F5344CB8AC3E}">
-        <p14:creationId xmlns:p14="http://schemas.microsoft.com/office/powerpoint/2010/main" val="967515756"/>
-      </p:ext>
-    </p:extLst>
-  </p:cSld>
-  <p:clrMapOvr>
-    <a:masterClrMapping/>
-  </p:clrMapOvr>
-</p:sld>
-</file>
-
-<file path=ppt/slides/slide9.xml><?xml version="1.0" encoding="utf-8"?>
-<p:sld xmlns:a="http://schemas.openxmlformats.org/drawingml/2006/main" xmlns:r="http://schemas.openxmlformats.org/officeDocument/2006/relationships" xmlns:p="http://schemas.openxmlformats.org/presentationml/2006/main">
-  <p:cSld>
-    <p:bg>
-      <p:bgPr>
-        <a:solidFill>
-          <a:schemeClr val="bg1"/>
-        </a:solidFill>
-        <a:effectLst/>
-      </p:bgPr>
-    </p:bg>
-    <p:spTree>
-      <p:nvGrpSpPr>
-        <p:cNvPr id="1" name=""/>
-        <p:cNvGrpSpPr/>
-        <p:nvPr/>
-      </p:nvGrpSpPr>
-      <p:grpSpPr>
-        <a:xfrm>
-          <a:off x="0" y="0"/>
-          <a:ext cx="0" cy="0"/>
-          <a:chOff x="0" y="0"/>
-          <a:chExt cx="0" cy="0"/>
-        </a:xfrm>
-      </p:grpSpPr>
-      <p:sp>
-        <p:nvSpPr>
-          <p:cNvPr id="2" name="Title 1">
-            <a:extLst>
-              <a:ext uri="{FF2B5EF4-FFF2-40B4-BE49-F238E27FC236}">
-                <a16:creationId xmlns:a16="http://schemas.microsoft.com/office/drawing/2014/main" id="{7DBF66F0-7821-F540-887A-CE2E0DB7083F}"/>
-              </a:ext>
-            </a:extLst>
-          </p:cNvPr>
-          <p:cNvSpPr>
-            <a:spLocks noGrp="1"/>
-          </p:cNvSpPr>
-          <p:nvPr>
-            <p:ph type="title"/>
-          </p:nvPr>
-        </p:nvSpPr>
-        <p:spPr>
-          <a:xfrm>
-            <a:off x="648928" y="338328"/>
-            <a:ext cx="3685032" cy="1608328"/>
-          </a:xfrm>
-        </p:spPr>
-        <p:txBody>
-          <a:bodyPr>
-            <a:normAutofit/>
-          </a:bodyPr>
-          <a:lstStyle/>
-          <a:p>
-            <a:endParaRPr lang="en-US" sz="3600" dirty="0"/>
-          </a:p>
-        </p:txBody>
-      </p:sp>
-      <p:sp>
-        <p:nvSpPr>
-          <p:cNvPr id="30" name="Rectangle 19">
-            <a:extLst>
-              <a:ext uri="{FF2B5EF4-FFF2-40B4-BE49-F238E27FC236}">
-                <a16:creationId xmlns:a16="http://schemas.microsoft.com/office/drawing/2014/main" id="{5AAE9118-0436-4488-AC4A-C14DF6A7B6B1}"/>
-              </a:ext>
-              <a:ext uri="{C183D7F6-B498-43B3-948B-1728B52AA6E4}">
-                <adec:decorative xmlns:adec="http://schemas.microsoft.com/office/drawing/2017/decorative" val="1"/>
-              </a:ext>
-            </a:extLst>
-          </p:cNvPr>
-          <p:cNvSpPr>
-            <a:spLocks noGrp="1" noRot="1" noChangeAspect="1" noMove="1" noResize="1" noEditPoints="1" noAdjustHandles="1" noChangeArrowheads="1" noChangeShapeType="1" noTextEdit="1"/>
-          </p:cNvSpPr>
-          <p:nvPr>
-            <p:extLst>
-              <p:ext uri="{386F3935-93C4-4BCD-93E2-E3B085C9AB24}">
-                <p16:designElem xmlns:p16="http://schemas.microsoft.com/office/powerpoint/2015/main" val="1"/>
-              </p:ext>
-            </p:extLst>
-          </p:nvPr>
-        </p:nvSpPr>
-        <p:spPr>
-          <a:xfrm>
-            <a:off x="-2" y="2211010"/>
-            <a:ext cx="12192002" cy="4646990"/>
-          </a:xfrm>
-          <a:prstGeom prst="rect">
-            <a:avLst/>
-          </a:prstGeom>
-          <a:solidFill>
-            <a:srgbClr val="C8CACA"/>
-          </a:solidFill>
-          <a:ln>
-            <a:noFill/>
-          </a:ln>
-        </p:spPr>
-        <p:style>
-          <a:lnRef idx="2">
-            <a:schemeClr val="accent1">
-              <a:shade val="50000"/>
-            </a:schemeClr>
-          </a:lnRef>
-          <a:fillRef idx="1">
-            <a:schemeClr val="accent1"/>
-          </a:fillRef>
-          <a:effectRef idx="0">
-            <a:schemeClr val="accent1"/>
-          </a:effectRef>
-          <a:fontRef idx="minor">
-            <a:schemeClr val="lt1"/>
-          </a:fontRef>
-        </p:style>
-        <p:txBody>
-          <a:bodyPr rtlCol="0" anchor="ctr"/>
-          <a:lstStyle/>
-          <a:p>
-            <a:pPr marL="0" marR="0" lvl="0" indent="0" algn="ctr" defTabSz="914400" rtl="0" eaLnBrk="1" fontAlgn="auto" latinLnBrk="0" hangingPunct="1">
-              <a:lnSpc>
-                <a:spcPct val="100000"/>
-              </a:lnSpc>
-              <a:spcBef>
-                <a:spcPts val="0"/>
-              </a:spcBef>
-              <a:spcAft>
-                <a:spcPts val="0"/>
-              </a:spcAft>
-              <a:buClrTx/>
-              <a:buSzTx/>
-              <a:buFontTx/>
-              <a:buNone/>
-              <a:tabLst/>
-              <a:defRPr/>
-            </a:pPr>
-            <a:endParaRPr kumimoji="0" lang="en-US" sz="1800" b="0" i="0" u="none" strike="noStrike" kern="1200" cap="none" spc="0" normalizeH="0" baseline="0" noProof="0">
-              <a:ln>
-                <a:noFill/>
-              </a:ln>
-              <a:solidFill>
-                <a:prstClr val="white"/>
-              </a:solidFill>
-              <a:effectLst/>
-              <a:uLnTx/>
-              <a:uFillTx/>
-              <a:latin typeface="Calibri" panose="020F0502020204030204"/>
-              <a:ea typeface="+mn-ea"/>
-              <a:cs typeface="+mn-cs"/>
-            </a:endParaRPr>
-          </a:p>
-        </p:txBody>
-      </p:sp>
-      <p:sp>
-        <p:nvSpPr>
-          <p:cNvPr id="31" name="Rounded Rectangle 26">
-            <a:extLst>
-              <a:ext uri="{FF2B5EF4-FFF2-40B4-BE49-F238E27FC236}">
-                <a16:creationId xmlns:a16="http://schemas.microsoft.com/office/drawing/2014/main" id="{1B10F861-B8F1-49C7-BD58-EAB20CEE7F93}"/>
-              </a:ext>
-              <a:ext uri="{C183D7F6-B498-43B3-948B-1728B52AA6E4}">
-                <adec:decorative xmlns:adec="http://schemas.microsoft.com/office/drawing/2017/decorative" val="1"/>
-              </a:ext>
-            </a:extLst>
-          </p:cNvPr>
-          <p:cNvSpPr>
-            <a:spLocks noGrp="1" noRot="1" noChangeAspect="1" noMove="1" noResize="1" noEditPoints="1" noAdjustHandles="1" noChangeArrowheads="1" noChangeShapeType="1" noTextEdit="1"/>
-          </p:cNvSpPr>
-          <p:nvPr>
-            <p:extLst>
-              <p:ext uri="{386F3935-93C4-4BCD-93E2-E3B085C9AB24}">
-                <p16:designElem xmlns:p16="http://schemas.microsoft.com/office/powerpoint/2015/main" val="1"/>
-              </p:ext>
-            </p:extLst>
-          </p:nvPr>
-        </p:nvSpPr>
-        <p:spPr>
-          <a:xfrm>
-            <a:off x="321564" y="2423160"/>
-            <a:ext cx="5613569" cy="3930315"/>
-          </a:xfrm>
-          <a:prstGeom prst="roundRect">
-            <a:avLst>
-              <a:gd name="adj" fmla="val 0"/>
-            </a:avLst>
-          </a:prstGeom>
-          <a:solidFill>
-            <a:srgbClr val="FFFFFF"/>
-          </a:solidFill>
-          <a:ln w="9525">
-            <a:solidFill>
-              <a:srgbClr val="C8CACA"/>
-            </a:solidFill>
-          </a:ln>
-          <a:effectLst>
-            <a:outerShdw blurRad="57150" dist="19050" dir="5400000" algn="t" rotWithShape="0">
-              <a:prstClr val="black">
-                <a:alpha val="63000"/>
-              </a:prstClr>
-            </a:outerShdw>
-          </a:effectLst>
-        </p:spPr>
-        <p:style>
-          <a:lnRef idx="2">
-            <a:schemeClr val="accent1">
-              <a:shade val="50000"/>
-            </a:schemeClr>
-          </a:lnRef>
-          <a:fillRef idx="1">
-            <a:schemeClr val="accent1"/>
-          </a:fillRef>
-          <a:effectRef idx="0">
-            <a:schemeClr val="accent1"/>
-          </a:effectRef>
-          <a:fontRef idx="minor">
-            <a:schemeClr val="lt1"/>
-          </a:fontRef>
-        </p:style>
-        <p:txBody>
-          <a:bodyPr rtlCol="0" anchor="ctr"/>
-          <a:lstStyle/>
-          <a:p>
-            <a:pPr algn="ctr"/>
-            <a:endParaRPr lang="en-US"/>
-          </a:p>
-        </p:txBody>
-      </p:sp>
-      <p:pic>
-        <p:nvPicPr>
-          <p:cNvPr id="10" name="Picture 9" descr="Chart, bar chart&#10;&#10;Description automatically generated">
-            <a:extLst>
-              <a:ext uri="{FF2B5EF4-FFF2-40B4-BE49-F238E27FC236}">
-                <a16:creationId xmlns:a16="http://schemas.microsoft.com/office/drawing/2014/main" id="{AEE9E550-E928-754D-8CB3-EFD05D7934D4}"/>
-              </a:ext>
-            </a:extLst>
-          </p:cNvPr>
-          <p:cNvPicPr>
-            <a:picLocks noChangeAspect="1"/>
-          </p:cNvPicPr>
-          <p:nvPr/>
-        </p:nvPicPr>
-        <p:blipFill>
-          <a:blip r:embed="rId3"/>
-          <a:stretch>
-            <a:fillRect/>
-          </a:stretch>
-        </p:blipFill>
-        <p:spPr>
-          <a:xfrm>
-            <a:off x="662550" y="2742397"/>
-            <a:ext cx="4931595" cy="3291840"/>
-          </a:xfrm>
-          <a:prstGeom prst="rect">
-            <a:avLst/>
-          </a:prstGeom>
-        </p:spPr>
-      </p:pic>
-      <p:sp>
-        <p:nvSpPr>
-          <p:cNvPr id="32" name="Rounded Rectangle 16">
-            <a:extLst>
-              <a:ext uri="{FF2B5EF4-FFF2-40B4-BE49-F238E27FC236}">
-                <a16:creationId xmlns:a16="http://schemas.microsoft.com/office/drawing/2014/main" id="{61F6E425-22AB-4DA2-8FAC-58ADB58EF6C3}"/>
-              </a:ext>
-              <a:ext uri="{C183D7F6-B498-43B3-948B-1728B52AA6E4}">
-                <adec:decorative xmlns:adec="http://schemas.microsoft.com/office/drawing/2017/decorative" val="1"/>
-              </a:ext>
-            </a:extLst>
-          </p:cNvPr>
-          <p:cNvSpPr>
-            <a:spLocks noGrp="1" noRot="1" noChangeAspect="1" noMove="1" noResize="1" noEditPoints="1" noAdjustHandles="1" noChangeArrowheads="1" noChangeShapeType="1" noTextEdit="1"/>
-          </p:cNvSpPr>
-          <p:nvPr>
-            <p:extLst>
-              <p:ext uri="{386F3935-93C4-4BCD-93E2-E3B085C9AB24}">
-                <p16:designElem xmlns:p16="http://schemas.microsoft.com/office/powerpoint/2015/main" val="1"/>
-              </p:ext>
-            </p:extLst>
-          </p:nvPr>
-        </p:nvSpPr>
-        <p:spPr>
-          <a:xfrm>
-            <a:off x="6254749" y="2423160"/>
-            <a:ext cx="5613569" cy="3930315"/>
-          </a:xfrm>
-          <a:prstGeom prst="roundRect">
-            <a:avLst>
-              <a:gd name="adj" fmla="val 0"/>
-            </a:avLst>
-          </a:prstGeom>
-          <a:solidFill>
-            <a:srgbClr val="FFFFFF"/>
-          </a:solidFill>
-          <a:ln w="9525">
-            <a:solidFill>
-              <a:srgbClr val="C8CACA"/>
-            </a:solidFill>
-          </a:ln>
-          <a:effectLst>
-            <a:outerShdw blurRad="57150" dist="19050" dir="5400000" algn="t" rotWithShape="0">
-              <a:prstClr val="black">
-                <a:alpha val="63000"/>
-              </a:prstClr>
-            </a:outerShdw>
-          </a:effectLst>
-        </p:spPr>
-        <p:style>
-          <a:lnRef idx="2">
-            <a:schemeClr val="accent1">
-              <a:shade val="50000"/>
-            </a:schemeClr>
-          </a:lnRef>
-          <a:fillRef idx="1">
-            <a:schemeClr val="accent1"/>
-          </a:fillRef>
-          <a:effectRef idx="0">
-            <a:schemeClr val="accent1"/>
-          </a:effectRef>
-          <a:fontRef idx="minor">
-            <a:schemeClr val="lt1"/>
-          </a:fontRef>
-        </p:style>
-        <p:txBody>
-          <a:bodyPr rtlCol="0" anchor="ctr"/>
-          <a:lstStyle/>
-          <a:p>
-            <a:pPr algn="ctr"/>
-            <a:endParaRPr lang="en-US"/>
-          </a:p>
-        </p:txBody>
-      </p:sp>
-      <p:pic>
-        <p:nvPicPr>
-          <p:cNvPr id="8" name="Picture 7" descr="Chart, histogram&#10;&#10;Description automatically generated">
-            <a:extLst>
-              <a:ext uri="{FF2B5EF4-FFF2-40B4-BE49-F238E27FC236}">
-                <a16:creationId xmlns:a16="http://schemas.microsoft.com/office/drawing/2014/main" id="{A4B64819-F240-8943-B99F-85F3DD2FC1F3}"/>
-              </a:ext>
-            </a:extLst>
-          </p:cNvPr>
-          <p:cNvPicPr>
-            <a:picLocks noChangeAspect="1"/>
-          </p:cNvPicPr>
-          <p:nvPr/>
-        </p:nvPicPr>
-        <p:blipFill>
-          <a:blip r:embed="rId4"/>
-          <a:stretch>
-            <a:fillRect/>
-          </a:stretch>
-        </p:blipFill>
-        <p:spPr>
-          <a:xfrm>
-            <a:off x="6576484" y="2833837"/>
-            <a:ext cx="4974336" cy="3108959"/>
-          </a:xfrm>
-          <a:prstGeom prst="rect">
-            <a:avLst/>
-          </a:prstGeom>
-        </p:spPr>
-      </p:pic>
-    </p:spTree>
-    <p:extLst>
-      <p:ext uri="{BB962C8B-B14F-4D97-AF65-F5344CB8AC3E}">
-        <p14:creationId xmlns:p14="http://schemas.microsoft.com/office/powerpoint/2010/main" val="1199179604"/>
       </p:ext>
     </p:extLst>
   </p:cSld>

--- a/Output/Policy_Changes.pptx
+++ b/Output/Policy_Changes.pptx
@@ -5,7 +5,7 @@
     <p:sldMasterId id="2147483648" r:id="rId1"/>
   </p:sldMasterIdLst>
   <p:notesMasterIdLst>
-    <p:notesMasterId r:id="rId13"/>
+    <p:notesMasterId r:id="rId14"/>
   </p:notesMasterIdLst>
   <p:sldIdLst>
     <p:sldId id="256" r:id="rId2"/>
@@ -18,7 +18,8 @@
     <p:sldId id="266" r:id="rId9"/>
     <p:sldId id="265" r:id="rId10"/>
     <p:sldId id="263" r:id="rId11"/>
-    <p:sldId id="262" r:id="rId12"/>
+    <p:sldId id="267" r:id="rId12"/>
+    <p:sldId id="262" r:id="rId13"/>
   </p:sldIdLst>
   <p:sldSz cx="12192000" cy="6858000"/>
   <p:notesSz cx="6858000" cy="9144000"/>
@@ -624,7 +625,7 @@
           <a:p>
             <a:fld id="{D92BE48F-ED33-F34E-B68D-0C16E5B92558}" type="slidenum">
               <a:rPr lang="en-US" smtClean="0"/>
-              <a:t>4</a:t>
+              <a:t>2</a:t>
             </a:fld>
             <a:endParaRPr lang="en-US"/>
           </a:p>
@@ -633,7 +634,7 @@
     </p:spTree>
     <p:extLst>
       <p:ext uri="{BB962C8B-B14F-4D97-AF65-F5344CB8AC3E}">
-        <p14:creationId xmlns:p14="http://schemas.microsoft.com/office/powerpoint/2010/main" val="2485498435"/>
+        <p14:creationId xmlns:p14="http://schemas.microsoft.com/office/powerpoint/2010/main" val="1271348984"/>
       </p:ext>
     </p:extLst>
   </p:cSld>
@@ -708,6 +709,90 @@
           <a:p>
             <a:fld id="{D92BE48F-ED33-F34E-B68D-0C16E5B92558}" type="slidenum">
               <a:rPr lang="en-US" smtClean="0"/>
+              <a:t>4</a:t>
+            </a:fld>
+            <a:endParaRPr lang="en-US"/>
+          </a:p>
+        </p:txBody>
+      </p:sp>
+    </p:spTree>
+    <p:extLst>
+      <p:ext uri="{BB962C8B-B14F-4D97-AF65-F5344CB8AC3E}">
+        <p14:creationId xmlns:p14="http://schemas.microsoft.com/office/powerpoint/2010/main" val="2485498435"/>
+      </p:ext>
+    </p:extLst>
+  </p:cSld>
+  <p:clrMapOvr>
+    <a:masterClrMapping/>
+  </p:clrMapOvr>
+</p:notes>
+</file>
+
+<file path=ppt/notesSlides/notesSlide4.xml><?xml version="1.0" encoding="utf-8"?>
+<p:notes xmlns:a="http://schemas.openxmlformats.org/drawingml/2006/main" xmlns:r="http://schemas.openxmlformats.org/officeDocument/2006/relationships" xmlns:p="http://schemas.openxmlformats.org/presentationml/2006/main">
+  <p:cSld>
+    <p:spTree>
+      <p:nvGrpSpPr>
+        <p:cNvPr id="1" name=""/>
+        <p:cNvGrpSpPr/>
+        <p:nvPr/>
+      </p:nvGrpSpPr>
+      <p:grpSpPr>
+        <a:xfrm>
+          <a:off x="0" y="0"/>
+          <a:ext cx="0" cy="0"/>
+          <a:chOff x="0" y="0"/>
+          <a:chExt cx="0" cy="0"/>
+        </a:xfrm>
+      </p:grpSpPr>
+      <p:sp>
+        <p:nvSpPr>
+          <p:cNvPr id="2" name="Slide Image Placeholder 1"/>
+          <p:cNvSpPr>
+            <a:spLocks noGrp="1" noRot="1" noChangeAspect="1"/>
+          </p:cNvSpPr>
+          <p:nvPr>
+            <p:ph type="sldImg"/>
+          </p:nvPr>
+        </p:nvSpPr>
+        <p:spPr/>
+      </p:sp>
+      <p:sp>
+        <p:nvSpPr>
+          <p:cNvPr id="3" name="Notes Placeholder 2"/>
+          <p:cNvSpPr>
+            <a:spLocks noGrp="1"/>
+          </p:cNvSpPr>
+          <p:nvPr>
+            <p:ph type="body" idx="1"/>
+          </p:nvPr>
+        </p:nvSpPr>
+        <p:spPr/>
+        <p:txBody>
+          <a:bodyPr/>
+          <a:lstStyle/>
+          <a:p>
+            <a:endParaRPr lang="en-US" dirty="0"/>
+          </a:p>
+        </p:txBody>
+      </p:sp>
+      <p:sp>
+        <p:nvSpPr>
+          <p:cNvPr id="4" name="Slide Number Placeholder 3"/>
+          <p:cNvSpPr>
+            <a:spLocks noGrp="1"/>
+          </p:cNvSpPr>
+          <p:nvPr>
+            <p:ph type="sldNum" sz="quarter" idx="5"/>
+          </p:nvPr>
+        </p:nvSpPr>
+        <p:spPr/>
+        <p:txBody>
+          <a:bodyPr/>
+          <a:lstStyle/>
+          <a:p>
+            <a:fld id="{D92BE48F-ED33-F34E-B68D-0C16E5B92558}" type="slidenum">
+              <a:rPr lang="en-US" smtClean="0"/>
               <a:t>8</a:t>
             </a:fld>
             <a:endParaRPr lang="en-US"/>
@@ -718,6 +803,90 @@
     <p:extLst>
       <p:ext uri="{BB962C8B-B14F-4D97-AF65-F5344CB8AC3E}">
         <p14:creationId xmlns:p14="http://schemas.microsoft.com/office/powerpoint/2010/main" val="3181536456"/>
+      </p:ext>
+    </p:extLst>
+  </p:cSld>
+  <p:clrMapOvr>
+    <a:masterClrMapping/>
+  </p:clrMapOvr>
+</p:notes>
+</file>
+
+<file path=ppt/notesSlides/notesSlide5.xml><?xml version="1.0" encoding="utf-8"?>
+<p:notes xmlns:a="http://schemas.openxmlformats.org/drawingml/2006/main" xmlns:r="http://schemas.openxmlformats.org/officeDocument/2006/relationships" xmlns:p="http://schemas.openxmlformats.org/presentationml/2006/main">
+  <p:cSld>
+    <p:spTree>
+      <p:nvGrpSpPr>
+        <p:cNvPr id="1" name=""/>
+        <p:cNvGrpSpPr/>
+        <p:nvPr/>
+      </p:nvGrpSpPr>
+      <p:grpSpPr>
+        <a:xfrm>
+          <a:off x="0" y="0"/>
+          <a:ext cx="0" cy="0"/>
+          <a:chOff x="0" y="0"/>
+          <a:chExt cx="0" cy="0"/>
+        </a:xfrm>
+      </p:grpSpPr>
+      <p:sp>
+        <p:nvSpPr>
+          <p:cNvPr id="2" name="Slide Image Placeholder 1"/>
+          <p:cNvSpPr>
+            <a:spLocks noGrp="1" noRot="1" noChangeAspect="1"/>
+          </p:cNvSpPr>
+          <p:nvPr>
+            <p:ph type="sldImg"/>
+          </p:nvPr>
+        </p:nvSpPr>
+        <p:spPr/>
+      </p:sp>
+      <p:sp>
+        <p:nvSpPr>
+          <p:cNvPr id="3" name="Notes Placeholder 2"/>
+          <p:cNvSpPr>
+            <a:spLocks noGrp="1"/>
+          </p:cNvSpPr>
+          <p:nvPr>
+            <p:ph type="body" idx="1"/>
+          </p:nvPr>
+        </p:nvSpPr>
+        <p:spPr/>
+        <p:txBody>
+          <a:bodyPr/>
+          <a:lstStyle/>
+          <a:p>
+            <a:endParaRPr lang="en-US" dirty="0"/>
+          </a:p>
+        </p:txBody>
+      </p:sp>
+      <p:sp>
+        <p:nvSpPr>
+          <p:cNvPr id="4" name="Slide Number Placeholder 3"/>
+          <p:cNvSpPr>
+            <a:spLocks noGrp="1"/>
+          </p:cNvSpPr>
+          <p:nvPr>
+            <p:ph type="sldNum" sz="quarter" idx="5"/>
+          </p:nvPr>
+        </p:nvSpPr>
+        <p:spPr/>
+        <p:txBody>
+          <a:bodyPr/>
+          <a:lstStyle/>
+          <a:p>
+            <a:fld id="{D92BE48F-ED33-F34E-B68D-0C16E5B92558}" type="slidenum">
+              <a:rPr lang="en-US" smtClean="0"/>
+              <a:t>10</a:t>
+            </a:fld>
+            <a:endParaRPr lang="en-US"/>
+          </a:p>
+        </p:txBody>
+      </p:sp>
+    </p:spTree>
+    <p:extLst>
+      <p:ext uri="{BB962C8B-B14F-4D97-AF65-F5344CB8AC3E}">
+        <p14:creationId xmlns:p14="http://schemas.microsoft.com/office/powerpoint/2010/main" val="1619887788"/>
       </p:ext>
     </p:extLst>
   </p:cSld>
@@ -4198,6 +4367,14 @@
 <file path=ppt/slides/slide10.xml><?xml version="1.0" encoding="utf-8"?>
 <p:sld xmlns:a="http://schemas.openxmlformats.org/drawingml/2006/main" xmlns:r="http://schemas.openxmlformats.org/officeDocument/2006/relationships" xmlns:p="http://schemas.openxmlformats.org/presentationml/2006/main">
   <p:cSld>
+    <p:bg>
+      <p:bgPr>
+        <a:solidFill>
+          <a:schemeClr val="bg1"/>
+        </a:solidFill>
+        <a:effectLst/>
+      </p:bgPr>
+    </p:bg>
     <p:spTree>
       <p:nvGrpSpPr>
         <p:cNvPr id="1" name=""/>
@@ -4228,43 +4405,299 @@
             <p:ph type="title"/>
           </p:nvPr>
         </p:nvSpPr>
-        <p:spPr/>
-        <p:txBody>
-          <a:bodyPr/>
-          <a:lstStyle/>
-          <a:p>
-            <a:r>
-              <a:rPr lang="en-US" dirty="0"/>
-              <a:t>New cases vs income support</a:t>
-            </a:r>
-          </a:p>
-        </p:txBody>
-      </p:sp>
-      <p:sp>
-        <p:nvSpPr>
-          <p:cNvPr id="3" name="Content Placeholder 2">
-            <a:extLst>
-              <a:ext uri="{FF2B5EF4-FFF2-40B4-BE49-F238E27FC236}">
-                <a16:creationId xmlns:a16="http://schemas.microsoft.com/office/drawing/2014/main" id="{35809C6E-C63E-9F43-81F8-39A2D2B4A7DB}"/>
-              </a:ext>
-            </a:extLst>
-          </p:cNvPr>
-          <p:cNvSpPr>
-            <a:spLocks noGrp="1"/>
-          </p:cNvSpPr>
+        <p:spPr>
+          <a:xfrm>
+            <a:off x="990600" y="338328"/>
+            <a:ext cx="10210800" cy="1078992"/>
+          </a:xfrm>
+        </p:spPr>
+        <p:txBody>
+          <a:bodyPr vert="horz" lIns="91440" tIns="45720" rIns="91440" bIns="45720" rtlCol="0" anchor="b">
+            <a:normAutofit/>
+          </a:bodyPr>
+          <a:lstStyle/>
+          <a:p>
+            <a:pPr algn="ctr"/>
+            <a:r>
+              <a:rPr lang="en-US" sz="5400" dirty="0"/>
+              <a:t>New Cases vs Income Support</a:t>
+            </a:r>
+          </a:p>
+        </p:txBody>
+      </p:sp>
+      <p:sp>
+        <p:nvSpPr>
+          <p:cNvPr id="21" name="Rectangle 20">
+            <a:extLst>
+              <a:ext uri="{FF2B5EF4-FFF2-40B4-BE49-F238E27FC236}">
+                <a16:creationId xmlns:a16="http://schemas.microsoft.com/office/drawing/2014/main" id="{70BDD0CE-06A4-404B-8A13-580229C1C923}"/>
+              </a:ext>
+              <a:ext uri="{C183D7F6-B498-43B3-948B-1728B52AA6E4}">
+                <adec:decorative xmlns:adec="http://schemas.microsoft.com/office/drawing/2017/decorative" val="1"/>
+              </a:ext>
+            </a:extLst>
+          </p:cNvPr>
+          <p:cNvSpPr>
+            <a:spLocks noGrp="1" noRot="1" noChangeAspect="1" noMove="1" noResize="1" noEditPoints="1" noAdjustHandles="1" noChangeArrowheads="1" noChangeShapeType="1" noTextEdit="1"/>
+          </p:cNvSpPr>
+          <p:nvPr>
+            <p:extLst>
+              <p:ext uri="{386F3935-93C4-4BCD-93E2-E3B085C9AB24}">
+                <p16:designElem xmlns:p16="http://schemas.microsoft.com/office/powerpoint/2015/main" val="1"/>
+              </p:ext>
+            </p:extLst>
+          </p:nvPr>
+        </p:nvSpPr>
+        <p:spPr>
+          <a:xfrm>
+            <a:off x="0" y="2141750"/>
+            <a:ext cx="12192000" cy="4716250"/>
+          </a:xfrm>
+          <a:prstGeom prst="rect">
+            <a:avLst/>
+          </a:prstGeom>
+          <a:solidFill>
+            <a:srgbClr val="C8CACA"/>
+          </a:solidFill>
+          <a:ln>
+            <a:noFill/>
+          </a:ln>
+        </p:spPr>
+        <p:style>
+          <a:lnRef idx="2">
+            <a:schemeClr val="accent1">
+              <a:shade val="50000"/>
+            </a:schemeClr>
+          </a:lnRef>
+          <a:fillRef idx="1">
+            <a:schemeClr val="accent1"/>
+          </a:fillRef>
+          <a:effectRef idx="0">
+            <a:schemeClr val="accent1"/>
+          </a:effectRef>
+          <a:fontRef idx="minor">
+            <a:schemeClr val="lt1"/>
+          </a:fontRef>
+        </p:style>
+        <p:txBody>
+          <a:bodyPr rtlCol="0" anchor="ctr"/>
+          <a:lstStyle/>
+          <a:p>
+            <a:pPr algn="ctr"/>
+            <a:endParaRPr lang="en-US"/>
+          </a:p>
+        </p:txBody>
+      </p:sp>
+      <p:sp>
+        <p:nvSpPr>
+          <p:cNvPr id="23" name="Rounded Rectangle 26">
+            <a:extLst>
+              <a:ext uri="{FF2B5EF4-FFF2-40B4-BE49-F238E27FC236}">
+                <a16:creationId xmlns:a16="http://schemas.microsoft.com/office/drawing/2014/main" id="{EE9899FA-8881-472C-AA59-D08A89CA8AEF}"/>
+              </a:ext>
+              <a:ext uri="{C183D7F6-B498-43B3-948B-1728B52AA6E4}">
+                <adec:decorative xmlns:adec="http://schemas.microsoft.com/office/drawing/2017/decorative" val="1"/>
+              </a:ext>
+            </a:extLst>
+          </p:cNvPr>
+          <p:cNvSpPr>
+            <a:spLocks noGrp="1" noRot="1" noChangeAspect="1" noMove="1" noResize="1" noEditPoints="1" noAdjustHandles="1" noChangeArrowheads="1" noChangeShapeType="1" noTextEdit="1"/>
+          </p:cNvSpPr>
+          <p:nvPr>
+            <p:extLst>
+              <p:ext uri="{386F3935-93C4-4BCD-93E2-E3B085C9AB24}">
+                <p16:designElem xmlns:p16="http://schemas.microsoft.com/office/powerpoint/2015/main" val="1"/>
+              </p:ext>
+            </p:extLst>
+          </p:nvPr>
+        </p:nvSpPr>
+        <p:spPr>
+          <a:xfrm>
+            <a:off x="321564" y="2423160"/>
+            <a:ext cx="5613569" cy="3930315"/>
+          </a:xfrm>
+          <a:prstGeom prst="roundRect">
+            <a:avLst>
+              <a:gd name="adj" fmla="val 0"/>
+            </a:avLst>
+          </a:prstGeom>
+          <a:solidFill>
+            <a:srgbClr val="FFFFFF"/>
+          </a:solidFill>
+          <a:ln w="9525">
+            <a:solidFill>
+              <a:srgbClr val="C8CACA"/>
+            </a:solidFill>
+          </a:ln>
+          <a:effectLst>
+            <a:outerShdw blurRad="57150" dist="19050" dir="5400000" algn="t" rotWithShape="0">
+              <a:prstClr val="black">
+                <a:alpha val="63000"/>
+              </a:prstClr>
+            </a:outerShdw>
+          </a:effectLst>
+        </p:spPr>
+        <p:style>
+          <a:lnRef idx="2">
+            <a:schemeClr val="accent1">
+              <a:shade val="50000"/>
+            </a:schemeClr>
+          </a:lnRef>
+          <a:fillRef idx="1">
+            <a:schemeClr val="accent1"/>
+          </a:fillRef>
+          <a:effectRef idx="0">
+            <a:schemeClr val="accent1"/>
+          </a:effectRef>
+          <a:fontRef idx="minor">
+            <a:schemeClr val="lt1"/>
+          </a:fontRef>
+        </p:style>
+        <p:txBody>
+          <a:bodyPr rtlCol="0" anchor="ctr"/>
+          <a:lstStyle/>
+          <a:p>
+            <a:pPr algn="ctr"/>
+            <a:endParaRPr lang="en-US"/>
+          </a:p>
+        </p:txBody>
+      </p:sp>
+      <p:pic>
+        <p:nvPicPr>
+          <p:cNvPr id="7" name="Picture 6" descr="Chart, histogram&#10;&#10;Description automatically generated">
+            <a:extLst>
+              <a:ext uri="{FF2B5EF4-FFF2-40B4-BE49-F238E27FC236}">
+                <a16:creationId xmlns:a16="http://schemas.microsoft.com/office/drawing/2014/main" id="{8A5B466C-18C5-6247-8F49-20705372DBCE}"/>
+              </a:ext>
+            </a:extLst>
+          </p:cNvPr>
+          <p:cNvPicPr>
+            <a:picLocks noChangeAspect="1"/>
+          </p:cNvPicPr>
+          <p:nvPr/>
+        </p:nvPicPr>
+        <p:blipFill>
+          <a:blip r:embed="rId3"/>
+          <a:stretch>
+            <a:fillRect/>
+          </a:stretch>
+        </p:blipFill>
+        <p:spPr>
+          <a:xfrm>
+            <a:off x="156717" y="2423160"/>
+            <a:ext cx="6095999" cy="3582224"/>
+          </a:xfrm>
+          <a:prstGeom prst="rect">
+            <a:avLst/>
+          </a:prstGeom>
+        </p:spPr>
+      </p:pic>
+      <p:sp>
+        <p:nvSpPr>
+          <p:cNvPr id="25" name="Rounded Rectangle 16">
+            <a:extLst>
+              <a:ext uri="{FF2B5EF4-FFF2-40B4-BE49-F238E27FC236}">
+                <a16:creationId xmlns:a16="http://schemas.microsoft.com/office/drawing/2014/main" id="{080B7D90-3DF1-4514-B26D-616BE35553C9}"/>
+              </a:ext>
+              <a:ext uri="{C183D7F6-B498-43B3-948B-1728B52AA6E4}">
+                <adec:decorative xmlns:adec="http://schemas.microsoft.com/office/drawing/2017/decorative" val="1"/>
+              </a:ext>
+            </a:extLst>
+          </p:cNvPr>
+          <p:cNvSpPr>
+            <a:spLocks noGrp="1" noRot="1" noChangeAspect="1" noMove="1" noResize="1" noEditPoints="1" noAdjustHandles="1" noChangeArrowheads="1" noChangeShapeType="1" noTextEdit="1"/>
+          </p:cNvSpPr>
+          <p:nvPr>
+            <p:extLst>
+              <p:ext uri="{386F3935-93C4-4BCD-93E2-E3B085C9AB24}">
+                <p16:designElem xmlns:p16="http://schemas.microsoft.com/office/powerpoint/2015/main" val="1"/>
+              </p:ext>
+            </p:extLst>
+          </p:nvPr>
+        </p:nvSpPr>
+        <p:spPr>
+          <a:xfrm>
+            <a:off x="6254749" y="2423160"/>
+            <a:ext cx="5613569" cy="3930315"/>
+          </a:xfrm>
+          <a:prstGeom prst="roundRect">
+            <a:avLst>
+              <a:gd name="adj" fmla="val 0"/>
+            </a:avLst>
+          </a:prstGeom>
+          <a:solidFill>
+            <a:srgbClr val="FFFFFF"/>
+          </a:solidFill>
+          <a:ln w="9525">
+            <a:solidFill>
+              <a:srgbClr val="C8CACA"/>
+            </a:solidFill>
+          </a:ln>
+          <a:effectLst>
+            <a:outerShdw blurRad="57150" dist="19050" dir="5400000" algn="t" rotWithShape="0">
+              <a:prstClr val="black">
+                <a:alpha val="63000"/>
+              </a:prstClr>
+            </a:outerShdw>
+          </a:effectLst>
+        </p:spPr>
+        <p:style>
+          <a:lnRef idx="2">
+            <a:schemeClr val="accent1">
+              <a:shade val="50000"/>
+            </a:schemeClr>
+          </a:lnRef>
+          <a:fillRef idx="1">
+            <a:schemeClr val="accent1"/>
+          </a:fillRef>
+          <a:effectRef idx="0">
+            <a:schemeClr val="accent1"/>
+          </a:effectRef>
+          <a:fontRef idx="minor">
+            <a:schemeClr val="lt1"/>
+          </a:fontRef>
+        </p:style>
+        <p:txBody>
+          <a:bodyPr rtlCol="0" anchor="ctr"/>
+          <a:lstStyle/>
+          <a:p>
+            <a:pPr algn="ctr"/>
+            <a:endParaRPr lang="en-US"/>
+          </a:p>
+        </p:txBody>
+      </p:sp>
+      <p:pic>
+        <p:nvPicPr>
+          <p:cNvPr id="5" name="Content Placeholder 4" descr="Chart, bar chart&#10;&#10;Description automatically generated">
+            <a:extLst>
+              <a:ext uri="{FF2B5EF4-FFF2-40B4-BE49-F238E27FC236}">
+                <a16:creationId xmlns:a16="http://schemas.microsoft.com/office/drawing/2014/main" id="{BFE75E16-7061-3541-B87D-302F772A5277}"/>
+              </a:ext>
+            </a:extLst>
+          </p:cNvPr>
+          <p:cNvPicPr>
+            <a:picLocks noGrp="1" noChangeAspect="1"/>
+          </p:cNvPicPr>
           <p:nvPr>
             <p:ph idx="1"/>
           </p:nvPr>
-        </p:nvSpPr>
-        <p:spPr/>
-        <p:txBody>
-          <a:bodyPr/>
-          <a:lstStyle/>
-          <a:p>
-            <a:endParaRPr lang="en-US" dirty="0"/>
-          </a:p>
-        </p:txBody>
-      </p:sp>
+        </p:nvPicPr>
+        <p:blipFill>
+          <a:blip r:embed="rId4"/>
+          <a:stretch>
+            <a:fillRect/>
+          </a:stretch>
+        </p:blipFill>
+        <p:spPr>
+          <a:xfrm>
+            <a:off x="6096000" y="2423160"/>
+            <a:ext cx="6096000" cy="3582224"/>
+          </a:xfrm>
+          <a:prstGeom prst="rect">
+            <a:avLst/>
+          </a:prstGeom>
+        </p:spPr>
+      </p:pic>
     </p:spTree>
     <p:extLst>
       <p:ext uri="{BB962C8B-B14F-4D97-AF65-F5344CB8AC3E}">
@@ -4279,6 +4712,94 @@
 </file>
 
 <file path=ppt/slides/slide11.xml><?xml version="1.0" encoding="utf-8"?>
+<p:sld xmlns:a="http://schemas.openxmlformats.org/drawingml/2006/main" xmlns:r="http://schemas.openxmlformats.org/officeDocument/2006/relationships" xmlns:p="http://schemas.openxmlformats.org/presentationml/2006/main">
+  <p:cSld>
+    <p:spTree>
+      <p:nvGrpSpPr>
+        <p:cNvPr id="1" name=""/>
+        <p:cNvGrpSpPr/>
+        <p:nvPr/>
+      </p:nvGrpSpPr>
+      <p:grpSpPr>
+        <a:xfrm>
+          <a:off x="0" y="0"/>
+          <a:ext cx="0" cy="0"/>
+          <a:chOff x="0" y="0"/>
+          <a:chExt cx="0" cy="0"/>
+        </a:xfrm>
+      </p:grpSpPr>
+      <p:sp>
+        <p:nvSpPr>
+          <p:cNvPr id="2" name="Title 1">
+            <a:extLst>
+              <a:ext uri="{FF2B5EF4-FFF2-40B4-BE49-F238E27FC236}">
+                <a16:creationId xmlns:a16="http://schemas.microsoft.com/office/drawing/2014/main" id="{8BDD8D9E-C320-1F41-88BC-EF3B6E2170BB}"/>
+              </a:ext>
+            </a:extLst>
+          </p:cNvPr>
+          <p:cNvSpPr>
+            <a:spLocks noGrp="1"/>
+          </p:cNvSpPr>
+          <p:nvPr>
+            <p:ph type="title"/>
+          </p:nvPr>
+        </p:nvSpPr>
+        <p:spPr/>
+        <p:txBody>
+          <a:bodyPr/>
+          <a:lstStyle/>
+          <a:p>
+            <a:pPr algn="ctr"/>
+            <a:r>
+              <a:rPr lang="en-US" dirty="0"/>
+              <a:t>New Cases vs </a:t>
+            </a:r>
+            <a:r>
+              <a:rPr lang="en-US"/>
+              <a:t>Face Covering</a:t>
+            </a:r>
+          </a:p>
+        </p:txBody>
+      </p:sp>
+      <p:sp>
+        <p:nvSpPr>
+          <p:cNvPr id="3" name="Content Placeholder 2">
+            <a:extLst>
+              <a:ext uri="{FF2B5EF4-FFF2-40B4-BE49-F238E27FC236}">
+                <a16:creationId xmlns:a16="http://schemas.microsoft.com/office/drawing/2014/main" id="{4E60A561-984D-BE40-A73C-BA9C2CDA312B}"/>
+              </a:ext>
+            </a:extLst>
+          </p:cNvPr>
+          <p:cNvSpPr>
+            <a:spLocks noGrp="1"/>
+          </p:cNvSpPr>
+          <p:nvPr>
+            <p:ph idx="1"/>
+          </p:nvPr>
+        </p:nvSpPr>
+        <p:spPr/>
+        <p:txBody>
+          <a:bodyPr/>
+          <a:lstStyle/>
+          <a:p>
+            <a:endParaRPr lang="en-US"/>
+          </a:p>
+        </p:txBody>
+      </p:sp>
+    </p:spTree>
+    <p:extLst>
+      <p:ext uri="{BB962C8B-B14F-4D97-AF65-F5344CB8AC3E}">
+        <p14:creationId xmlns:p14="http://schemas.microsoft.com/office/powerpoint/2010/main" val="1982451694"/>
+      </p:ext>
+    </p:extLst>
+  </p:cSld>
+  <p:clrMapOvr>
+    <a:masterClrMapping/>
+  </p:clrMapOvr>
+</p:sld>
+</file>
+
+<file path=ppt/slides/slide12.xml><?xml version="1.0" encoding="utf-8"?>
 <p:sld xmlns:a="http://schemas.openxmlformats.org/drawingml/2006/main" xmlns:r="http://schemas.openxmlformats.org/officeDocument/2006/relationships" xmlns:p="http://schemas.openxmlformats.org/presentationml/2006/main">
   <p:cSld>
     <p:spTree>

--- a/Output/Policy_Changes.pptx
+++ b/Output/Policy_Changes.pptx
@@ -4128,24 +4128,36 @@
         </p:nvSpPr>
         <p:spPr>
           <a:xfrm>
-            <a:off x="1524000" y="1865876"/>
-            <a:ext cx="9144000" cy="1261032"/>
+            <a:off x="1524000" y="903890"/>
+            <a:ext cx="9144000" cy="2942896"/>
           </a:xfrm>
         </p:spPr>
         <p:txBody>
           <a:bodyPr>
-            <a:normAutofit fontScale="90000"/>
+            <a:normAutofit/>
           </a:bodyPr>
           <a:lstStyle/>
           <a:p>
             <a:r>
-              <a:rPr lang="en-US" b="1" dirty="0"/>
+              <a:rPr lang="en-US" b="1" dirty="0">
+                <a:solidFill>
+                  <a:schemeClr val="accent2"/>
+                </a:solidFill>
+              </a:rPr>
               <a:t>Policy Responses to Covid-19 Pandemic</a:t>
             </a:r>
             <a:br>
-              <a:rPr lang="en-US" b="1" dirty="0"/>
+              <a:rPr lang="en-US" b="1" dirty="0">
+                <a:solidFill>
+                  <a:schemeClr val="accent2"/>
+                </a:solidFill>
+              </a:rPr>
             </a:br>
-            <a:endParaRPr lang="en-US" b="1" dirty="0"/>
+            <a:endParaRPr lang="en-US" b="1" dirty="0">
+              <a:solidFill>
+                <a:schemeClr val="accent2"/>
+              </a:solidFill>
+            </a:endParaRPr>
           </a:p>
         </p:txBody>
       </p:sp>
@@ -4165,7 +4177,7 @@
         </p:nvSpPr>
         <p:spPr>
           <a:xfrm>
-            <a:off x="1524000" y="3065120"/>
+            <a:off x="1524000" y="3527575"/>
             <a:ext cx="9144000" cy="1655762"/>
           </a:xfrm>
           <a:prstGeom prst="rect">
@@ -4345,7 +4357,13 @@
           </a:p>
           <a:p>
             <a:r>
-              <a:rPr lang="en-US" dirty="0"/>
+              <a:rPr lang="en-US" dirty="0">
+                <a:solidFill>
+                  <a:schemeClr val="accent2">
+                    <a:lumMod val="75000"/>
+                  </a:schemeClr>
+                </a:solidFill>
+              </a:rPr>
               <a:t>Team: HeeJun Seo, Jaspreet Singh Bhamra, Nithiya Suresh</a:t>
             </a:r>
           </a:p>
@@ -4419,7 +4437,13 @@
           <a:p>
             <a:pPr algn="ctr"/>
             <a:r>
-              <a:rPr lang="en-US" sz="5400" dirty="0"/>
+              <a:rPr lang="en-US" sz="5400" dirty="0">
+                <a:solidFill>
+                  <a:schemeClr val="accent2">
+                    <a:lumMod val="75000"/>
+                  </a:schemeClr>
+                </a:solidFill>
+              </a:rPr>
               <a:t>New Cases vs Income Support</a:t>
             </a:r>
           </a:p>
@@ -4925,8 +4949,13 @@
           <a:bodyPr/>
           <a:lstStyle/>
           <a:p>
-            <a:r>
-              <a:rPr lang="en-US" dirty="0"/>
+            <a:pPr algn="ctr"/>
+            <a:r>
+              <a:rPr lang="en-US" u="sng" dirty="0">
+                <a:solidFill>
+                  <a:schemeClr val="accent2"/>
+                </a:solidFill>
+              </a:rPr>
               <a:t>Topics covered</a:t>
             </a:r>
           </a:p>
@@ -4950,8 +4979,8 @@
         </p:nvSpPr>
         <p:spPr>
           <a:xfrm>
-            <a:off x="838200" y="1124465"/>
-            <a:ext cx="10515600" cy="5052498"/>
+            <a:off x="838200" y="1818289"/>
+            <a:ext cx="10515600" cy="4358673"/>
           </a:xfrm>
         </p:spPr>
         <p:txBody>
@@ -4963,20 +4992,41 @@
             <a:endParaRPr lang="en-US" dirty="0"/>
           </a:p>
           <a:p>
-            <a:r>
-              <a:rPr lang="en-US" dirty="0"/>
+            <a:pPr algn="just"/>
+            <a:r>
+              <a:rPr lang="en-US" sz="2400" dirty="0">
+                <a:solidFill>
+                  <a:schemeClr val="accent2">
+                    <a:lumMod val="75000"/>
+                  </a:schemeClr>
+                </a:solidFill>
+              </a:rPr>
               <a:t>For our project we decided to work on the current “hot” topic in the world - COVID -19.</a:t>
             </a:r>
           </a:p>
           <a:p>
-            <a:r>
-              <a:rPr lang="en-US" dirty="0"/>
+            <a:pPr algn="just"/>
+            <a:r>
+              <a:rPr lang="en-US" sz="2400" dirty="0">
+                <a:solidFill>
+                  <a:schemeClr val="accent2">
+                    <a:lumMod val="75000"/>
+                  </a:schemeClr>
+                </a:solidFill>
+              </a:rPr>
               <a:t>As much as covid is the hot topic, we didn’t want to give the standard graphs of the infected cases, death rates etc. Instead, we explored other areas related to Covid and how it has impacted our day to day lives.</a:t>
             </a:r>
           </a:p>
           <a:p>
-            <a:r>
-              <a:rPr lang="en-US" dirty="0"/>
+            <a:pPr algn="just"/>
+            <a:r>
+              <a:rPr lang="en-US" sz="2400" dirty="0">
+                <a:solidFill>
+                  <a:schemeClr val="accent2">
+                    <a:lumMod val="75000"/>
+                  </a:schemeClr>
+                </a:solidFill>
+              </a:rPr>
               <a:t>Hence, we concluded that we would do the analysis on the new policy changes introduced in the countries because of Covid and how the new policy changes has made any impact on total and new covid cases.</a:t>
             </a:r>
           </a:p>
@@ -5033,8 +5083,13 @@
           <a:bodyPr/>
           <a:lstStyle/>
           <a:p>
-            <a:r>
-              <a:rPr lang="en-US" dirty="0"/>
+            <a:pPr algn="ctr"/>
+            <a:r>
+              <a:rPr lang="en-US" u="sng" dirty="0">
+                <a:solidFill>
+                  <a:schemeClr val="accent2"/>
+                </a:solidFill>
+              </a:rPr>
               <a:t>Policy changes for analysis</a:t>
             </a:r>
           </a:p>
@@ -5058,8 +5113,8 @@
         </p:nvSpPr>
         <p:spPr>
           <a:xfrm>
-            <a:off x="838200" y="1594022"/>
-            <a:ext cx="10515600" cy="4582941"/>
+            <a:off x="838200" y="1975945"/>
+            <a:ext cx="10515600" cy="4201018"/>
           </a:xfrm>
         </p:spPr>
         <p:txBody>
@@ -5067,47 +5122,89 @@
           <a:lstStyle/>
           <a:p>
             <a:r>
-              <a:rPr lang="en-US" dirty="0"/>
+              <a:rPr lang="en-US" dirty="0">
+                <a:solidFill>
+                  <a:schemeClr val="accent2"/>
+                </a:solidFill>
+              </a:rPr>
               <a:t>For our project, we have selected 7 countries:</a:t>
             </a:r>
           </a:p>
           <a:p>
             <a:pPr lvl="1"/>
             <a:r>
-              <a:rPr lang="en-US" dirty="0"/>
+              <a:rPr lang="en-US" dirty="0">
+                <a:solidFill>
+                  <a:schemeClr val="accent2">
+                    <a:lumMod val="75000"/>
+                  </a:schemeClr>
+                </a:solidFill>
+              </a:rPr>
               <a:t>Australia, US, UK, India, China, South Korea and Brazil.</a:t>
             </a:r>
           </a:p>
           <a:p>
-            <a:endParaRPr lang="en-US" dirty="0"/>
-          </a:p>
-          <a:p>
-            <a:r>
-              <a:rPr lang="en-US" dirty="0"/>
+            <a:endParaRPr lang="en-US" dirty="0">
+              <a:solidFill>
+                <a:schemeClr val="accent2">
+                  <a:lumMod val="75000"/>
+                </a:schemeClr>
+              </a:solidFill>
+            </a:endParaRPr>
+          </a:p>
+          <a:p>
+            <a:r>
+              <a:rPr lang="en-US" dirty="0">
+                <a:solidFill>
+                  <a:schemeClr val="accent2"/>
+                </a:solidFill>
+              </a:rPr>
               <a:t>We selected following policies to see their effect on Covid-19.</a:t>
             </a:r>
           </a:p>
           <a:p>
-            <a:endParaRPr lang="en-US" dirty="0"/>
+            <a:endParaRPr lang="en-US" dirty="0">
+              <a:solidFill>
+                <a:schemeClr val="accent2"/>
+              </a:solidFill>
+            </a:endParaRPr>
           </a:p>
           <a:p>
             <a:pPr lvl="1"/>
             <a:r>
-              <a:rPr lang="en-US" dirty="0"/>
+              <a:rPr lang="en-US" dirty="0">
+                <a:solidFill>
+                  <a:schemeClr val="accent2">
+                    <a:lumMod val="75000"/>
+                  </a:schemeClr>
+                </a:solidFill>
+              </a:rPr>
               <a:t>International Travel Restrictions.</a:t>
             </a:r>
           </a:p>
           <a:p>
             <a:pPr lvl="1"/>
             <a:r>
-              <a:rPr lang="en-US" dirty="0"/>
+              <a:rPr lang="en-US" dirty="0">
+                <a:solidFill>
+                  <a:schemeClr val="accent2">
+                    <a:lumMod val="75000"/>
+                  </a:schemeClr>
+                </a:solidFill>
+              </a:rPr>
               <a:t>Income Support.</a:t>
             </a:r>
           </a:p>
           <a:p>
             <a:pPr lvl="1"/>
             <a:r>
-              <a:rPr lang="en-US" dirty="0"/>
+              <a:rPr lang="en-US" dirty="0">
+                <a:solidFill>
+                  <a:schemeClr val="accent2">
+                    <a:lumMod val="75000"/>
+                  </a:schemeClr>
+                </a:solidFill>
+              </a:rPr>
               <a:t>Face Covering</a:t>
             </a:r>
           </a:p>
@@ -5164,8 +5261,13 @@
           <a:bodyPr/>
           <a:lstStyle/>
           <a:p>
-            <a:r>
-              <a:rPr lang="en-US" dirty="0"/>
+            <a:pPr algn="ctr"/>
+            <a:r>
+              <a:rPr lang="en-US" u="sng" dirty="0">
+                <a:solidFill>
+                  <a:schemeClr val="accent2"/>
+                </a:solidFill>
+              </a:rPr>
               <a:t>Questions and data</a:t>
             </a:r>
           </a:p>
@@ -5198,7 +5300,13 @@
           <a:lstStyle/>
           <a:p>
             <a:r>
-              <a:rPr lang="en-US" dirty="0"/>
+              <a:rPr lang="en-US" dirty="0">
+                <a:solidFill>
+                  <a:schemeClr val="accent2">
+                    <a:lumMod val="75000"/>
+                  </a:schemeClr>
+                </a:solidFill>
+              </a:rPr>
               <a:t>How, introducing international travel restrictions, facial coverings and income support has impacted each country’s the Covid spreading.</a:t>
             </a:r>
           </a:p>
@@ -5206,11 +5314,23 @@
             <a:pPr marL="0" indent="0">
               <a:buNone/>
             </a:pPr>
-            <a:endParaRPr lang="en-US" dirty="0"/>
-          </a:p>
-          <a:p>
-            <a:r>
-              <a:rPr lang="en-US" dirty="0"/>
+            <a:endParaRPr lang="en-US" dirty="0">
+              <a:solidFill>
+                <a:schemeClr val="accent2">
+                  <a:lumMod val="75000"/>
+                </a:schemeClr>
+              </a:solidFill>
+            </a:endParaRPr>
+          </a:p>
+          <a:p>
+            <a:r>
+              <a:rPr lang="en-US" dirty="0">
+                <a:solidFill>
+                  <a:schemeClr val="accent2">
+                    <a:lumMod val="75000"/>
+                  </a:schemeClr>
+                </a:solidFill>
+              </a:rPr>
               <a:t>We gathered data from </a:t>
             </a:r>
             <a:r>
@@ -5290,13 +5410,23 @@
             <p:ph type="title"/>
           </p:nvPr>
         </p:nvSpPr>
-        <p:spPr/>
+        <p:spPr>
+          <a:xfrm>
+            <a:off x="1734206" y="365125"/>
+            <a:ext cx="8576441" cy="1325563"/>
+          </a:xfrm>
+        </p:spPr>
         <p:txBody>
           <a:bodyPr/>
           <a:lstStyle/>
           <a:p>
-            <a:r>
-              <a:rPr lang="en-US" dirty="0"/>
+            <a:pPr algn="ctr"/>
+            <a:r>
+              <a:rPr lang="en-US" u="sng" dirty="0">
+                <a:solidFill>
+                  <a:schemeClr val="accent2"/>
+                </a:solidFill>
+              </a:rPr>
               <a:t>Sample data</a:t>
             </a:r>
           </a:p>
@@ -5412,11 +5542,20 @@
           <a:bodyPr/>
           <a:lstStyle/>
           <a:p>
-            <a:r>
-              <a:rPr lang="en-AU" dirty="0"/>
+            <a:pPr algn="ctr"/>
+            <a:r>
+              <a:rPr lang="en-AU" u="sng" dirty="0">
+                <a:solidFill>
+                  <a:schemeClr val="accent2"/>
+                </a:solidFill>
+              </a:rPr>
               <a:t>Data Clean-up &amp; Exploration</a:t>
             </a:r>
-            <a:endParaRPr lang="en-US" dirty="0"/>
+            <a:endParaRPr lang="en-US" u="sng" dirty="0">
+              <a:solidFill>
+                <a:schemeClr val="accent2"/>
+              </a:solidFill>
+            </a:endParaRPr>
           </a:p>
         </p:txBody>
       </p:sp>
@@ -5438,8 +5577,8 @@
         </p:nvSpPr>
         <p:spPr>
           <a:xfrm>
-            <a:off x="838200" y="1556951"/>
-            <a:ext cx="10515600" cy="4620012"/>
+            <a:off x="838200" y="2070537"/>
+            <a:ext cx="10515600" cy="4106425"/>
           </a:xfrm>
         </p:spPr>
         <p:txBody>
@@ -5447,43 +5586,85 @@
           <a:lstStyle/>
           <a:p>
             <a:r>
-              <a:rPr lang="en-US" dirty="0"/>
+              <a:rPr lang="en-US" dirty="0">
+                <a:solidFill>
+                  <a:schemeClr val="accent2">
+                    <a:lumMod val="75000"/>
+                  </a:schemeClr>
+                </a:solidFill>
+              </a:rPr>
               <a:t>Gathered raw covid data and policy data for all the countries.</a:t>
             </a:r>
           </a:p>
           <a:p>
             <a:r>
-              <a:rPr lang="en-US" dirty="0"/>
+              <a:rPr lang="en-US" dirty="0">
+                <a:solidFill>
+                  <a:schemeClr val="accent2">
+                    <a:lumMod val="75000"/>
+                  </a:schemeClr>
+                </a:solidFill>
+              </a:rPr>
               <a:t>Data range - Jan 2020 and June 2021.</a:t>
             </a:r>
           </a:p>
           <a:p>
             <a:r>
-              <a:rPr lang="en-US" dirty="0"/>
+              <a:rPr lang="en-US" dirty="0">
+                <a:solidFill>
+                  <a:schemeClr val="accent2">
+                    <a:lumMod val="75000"/>
+                  </a:schemeClr>
+                </a:solidFill>
+              </a:rPr>
               <a:t>Loaded data into jupyter notebook.</a:t>
             </a:r>
           </a:p>
           <a:p>
             <a:r>
-              <a:rPr lang="en-US" dirty="0"/>
+              <a:rPr lang="en-US" dirty="0">
+                <a:solidFill>
+                  <a:schemeClr val="accent2">
+                    <a:lumMod val="75000"/>
+                  </a:schemeClr>
+                </a:solidFill>
+              </a:rPr>
               <a:t>Removed the unnecessary rows which causes duplication.</a:t>
             </a:r>
           </a:p>
           <a:p>
             <a:r>
-              <a:rPr lang="en-US" dirty="0"/>
+              <a:rPr lang="en-US" dirty="0">
+                <a:solidFill>
+                  <a:schemeClr val="accent2">
+                    <a:lumMod val="75000"/>
+                  </a:schemeClr>
+                </a:solidFill>
+              </a:rPr>
               <a:t>Reduced the data to only the countries we are doing the analysis on.</a:t>
             </a:r>
           </a:p>
           <a:p>
             <a:r>
-              <a:rPr lang="en-US" dirty="0"/>
+              <a:rPr lang="en-US" dirty="0">
+                <a:solidFill>
+                  <a:schemeClr val="accent2">
+                    <a:lumMod val="75000"/>
+                  </a:schemeClr>
+                </a:solidFill>
+              </a:rPr>
               <a:t>Merged the covid data and the data each of us working on.</a:t>
             </a:r>
           </a:p>
           <a:p>
             <a:r>
-              <a:rPr lang="en-US" dirty="0"/>
+              <a:rPr lang="en-US" dirty="0">
+                <a:solidFill>
+                  <a:schemeClr val="accent2">
+                    <a:lumMod val="75000"/>
+                  </a:schemeClr>
+                </a:solidFill>
+              </a:rPr>
               <a:t>Finally plotted the graph based on the merged data.</a:t>
             </a:r>
           </a:p>
@@ -5618,8 +5799,15 @@
           </a:bodyPr>
           <a:lstStyle/>
           <a:p>
-            <a:r>
-              <a:rPr lang="en-US" sz="3600" dirty="0"/>
+            <a:pPr algn="ctr"/>
+            <a:r>
+              <a:rPr lang="en-US" sz="3600" u="sng" dirty="0">
+                <a:solidFill>
+                  <a:schemeClr val="accent2">
+                    <a:lumMod val="75000"/>
+                  </a:schemeClr>
+                </a:solidFill>
+              </a:rPr>
               <a:t>Monthly New cases In The Countries</a:t>
             </a:r>
           </a:p>
@@ -6043,7 +6231,13 @@
           <a:p>
             <a:pPr algn="ctr"/>
             <a:r>
-              <a:rPr lang="en-US" sz="2800" dirty="0"/>
+              <a:rPr lang="en-US" sz="2800" u="sng" dirty="0">
+                <a:solidFill>
+                  <a:schemeClr val="accent2">
+                    <a:lumMod val="75000"/>
+                  </a:schemeClr>
+                </a:solidFill>
+              </a:rPr>
               <a:t>Monthly New Cases Per Country In Each Month</a:t>
             </a:r>
           </a:p>
@@ -6379,23 +6573,45 @@
           <a:p>
             <a:pPr algn="ctr"/>
             <a:r>
-              <a:rPr lang="en-US" sz="2800" dirty="0">
+              <a:rPr lang="en-US" sz="2800" u="sng" dirty="0">
+                <a:solidFill>
+                  <a:schemeClr val="accent2">
+                    <a:lumMod val="75000"/>
+                  </a:schemeClr>
+                </a:solidFill>
                 <a:latin typeface="+mj-lt"/>
               </a:rPr>
               <a:t>Monthly</a:t>
             </a:r>
             <a:r>
-              <a:rPr lang="en-US" sz="2800" dirty="0"/>
+              <a:rPr lang="en-US" sz="2800" u="sng" dirty="0">
+                <a:solidFill>
+                  <a:schemeClr val="accent2">
+                    <a:lumMod val="75000"/>
+                  </a:schemeClr>
+                </a:solidFill>
+              </a:rPr>
               <a:t> </a:t>
             </a:r>
             <a:r>
-              <a:rPr lang="en-US" sz="2800" dirty="0">
+              <a:rPr lang="en-US" sz="2800" u="sng" dirty="0">
+                <a:solidFill>
+                  <a:schemeClr val="accent2">
+                    <a:lumMod val="75000"/>
+                  </a:schemeClr>
+                </a:solidFill>
                 <a:latin typeface="+mj-lt"/>
               </a:rPr>
               <a:t>New Total cases</a:t>
             </a:r>
             <a:r>
-              <a:rPr lang="en-US" sz="2800" dirty="0"/>
+              <a:rPr lang="en-US" sz="2800" u="sng" dirty="0">
+                <a:solidFill>
+                  <a:schemeClr val="accent2">
+                    <a:lumMod val="75000"/>
+                  </a:schemeClr>
+                </a:solidFill>
+              </a:rPr>
               <a:t> </a:t>
             </a:r>
           </a:p>
@@ -6937,7 +7153,13 @@
               <a:buNone/>
             </a:pPr>
             <a:r>
-              <a:rPr lang="en-US" dirty="0"/>
+              <a:rPr lang="en-US" dirty="0">
+                <a:solidFill>
+                  <a:schemeClr val="accent2">
+                    <a:lumMod val="75000"/>
+                  </a:schemeClr>
+                </a:solidFill>
+              </a:rPr>
               <a:t>New Cases and International Travel Restrictions</a:t>
             </a:r>
           </a:p>
